--- a/multibuild/v1.2/assets/ppt/touch_sync.pptx
+++ b/multibuild/v1.2/assets/ppt/touch_sync.pptx
@@ -5,20 +5,20 @@
     <p:sldMasterId id="2147483660" r:id="rId1"/>
   </p:sldMasterIdLst>
   <p:sldIdLst>
-    <p:sldId id="258" r:id="rId2"/>
-    <p:sldId id="262" r:id="rId3"/>
-    <p:sldId id="259" r:id="rId4"/>
-    <p:sldId id="260" r:id="rId5"/>
-    <p:sldId id="261" r:id="rId6"/>
-    <p:sldId id="264" r:id="rId7"/>
+    <p:sldId id="257" r:id="rId2"/>
+    <p:sldId id="265" r:id="rId3"/>
+    <p:sldId id="261" r:id="rId4"/>
+    <p:sldId id="259" r:id="rId5"/>
+    <p:sldId id="264" r:id="rId6"/>
+    <p:sldId id="262" r:id="rId7"/>
   </p:sldIdLst>
   <p:sldSz cx="12192000" cy="6858000"/>
   <p:notesSz cx="6858000" cy="9144000"/>
   <p:defaultTextStyle>
     <a:defPPr>
-      <a:defRPr lang="en-US"/>
+      <a:defRPr lang="he-IL"/>
     </a:defPPr>
-    <a:lvl1pPr marL="0" algn="l" defTabSz="457200" rtl="0" eaLnBrk="1" latinLnBrk="0" hangingPunct="1">
+    <a:lvl1pPr marL="0" algn="l" defTabSz="914400" rtl="0" eaLnBrk="1" latinLnBrk="0" hangingPunct="1">
       <a:defRPr sz="1800" kern="1200">
         <a:solidFill>
           <a:schemeClr val="tx1"/>
@@ -28,7 +28,7 @@
         <a:cs typeface="+mn-cs"/>
       </a:defRPr>
     </a:lvl1pPr>
-    <a:lvl2pPr marL="457200" algn="l" defTabSz="457200" rtl="0" eaLnBrk="1" latinLnBrk="0" hangingPunct="1">
+    <a:lvl2pPr marL="457200" algn="l" defTabSz="914400" rtl="0" eaLnBrk="1" latinLnBrk="0" hangingPunct="1">
       <a:defRPr sz="1800" kern="1200">
         <a:solidFill>
           <a:schemeClr val="tx1"/>
@@ -38,7 +38,7 @@
         <a:cs typeface="+mn-cs"/>
       </a:defRPr>
     </a:lvl2pPr>
-    <a:lvl3pPr marL="914400" algn="l" defTabSz="457200" rtl="0" eaLnBrk="1" latinLnBrk="0" hangingPunct="1">
+    <a:lvl3pPr marL="914400" algn="l" defTabSz="914400" rtl="0" eaLnBrk="1" latinLnBrk="0" hangingPunct="1">
       <a:defRPr sz="1800" kern="1200">
         <a:solidFill>
           <a:schemeClr val="tx1"/>
@@ -48,7 +48,7 @@
         <a:cs typeface="+mn-cs"/>
       </a:defRPr>
     </a:lvl3pPr>
-    <a:lvl4pPr marL="1371600" algn="l" defTabSz="457200" rtl="0" eaLnBrk="1" latinLnBrk="0" hangingPunct="1">
+    <a:lvl4pPr marL="1371600" algn="l" defTabSz="914400" rtl="0" eaLnBrk="1" latinLnBrk="0" hangingPunct="1">
       <a:defRPr sz="1800" kern="1200">
         <a:solidFill>
           <a:schemeClr val="tx1"/>
@@ -58,7 +58,7 @@
         <a:cs typeface="+mn-cs"/>
       </a:defRPr>
     </a:lvl4pPr>
-    <a:lvl5pPr marL="1828800" algn="l" defTabSz="457200" rtl="0" eaLnBrk="1" latinLnBrk="0" hangingPunct="1">
+    <a:lvl5pPr marL="1828800" algn="l" defTabSz="914400" rtl="0" eaLnBrk="1" latinLnBrk="0" hangingPunct="1">
       <a:defRPr sz="1800" kern="1200">
         <a:solidFill>
           <a:schemeClr val="tx1"/>
@@ -68,7 +68,7 @@
         <a:cs typeface="+mn-cs"/>
       </a:defRPr>
     </a:lvl5pPr>
-    <a:lvl6pPr marL="2286000" algn="l" defTabSz="457200" rtl="0" eaLnBrk="1" latinLnBrk="0" hangingPunct="1">
+    <a:lvl6pPr marL="2286000" algn="l" defTabSz="914400" rtl="0" eaLnBrk="1" latinLnBrk="0" hangingPunct="1">
       <a:defRPr sz="1800" kern="1200">
         <a:solidFill>
           <a:schemeClr val="tx1"/>
@@ -78,7 +78,7 @@
         <a:cs typeface="+mn-cs"/>
       </a:defRPr>
     </a:lvl6pPr>
-    <a:lvl7pPr marL="2743200" algn="l" defTabSz="457200" rtl="0" eaLnBrk="1" latinLnBrk="0" hangingPunct="1">
+    <a:lvl7pPr marL="2743200" algn="l" defTabSz="914400" rtl="0" eaLnBrk="1" latinLnBrk="0" hangingPunct="1">
       <a:defRPr sz="1800" kern="1200">
         <a:solidFill>
           <a:schemeClr val="tx1"/>
@@ -88,7 +88,7 @@
         <a:cs typeface="+mn-cs"/>
       </a:defRPr>
     </a:lvl7pPr>
-    <a:lvl8pPr marL="3200400" algn="l" defTabSz="457200" rtl="0" eaLnBrk="1" latinLnBrk="0" hangingPunct="1">
+    <a:lvl8pPr marL="3200400" algn="l" defTabSz="914400" rtl="0" eaLnBrk="1" latinLnBrk="0" hangingPunct="1">
       <a:defRPr sz="1800" kern="1200">
         <a:solidFill>
           <a:schemeClr val="tx1"/>
@@ -98,7 +98,7 @@
         <a:cs typeface="+mn-cs"/>
       </a:defRPr>
     </a:lvl8pPr>
-    <a:lvl9pPr marL="3657600" algn="l" defTabSz="457200" rtl="0" eaLnBrk="1" latinLnBrk="0" hangingPunct="1">
+    <a:lvl9pPr marL="3657600" algn="l" defTabSz="914400" rtl="0" eaLnBrk="1" latinLnBrk="0" hangingPunct="1">
       <a:defRPr sz="1800" kern="1200">
         <a:solidFill>
           <a:schemeClr val="tx1"/>
@@ -159,7 +159,7 @@
           </a:lstStyle>
           <a:p>
             <a:r>
-              <a:rPr lang="en-US" smtClean="0"/>
+              <a:rPr lang="en-US"/>
               <a:t>Click to edit Master title style</a:t>
             </a:r>
             <a:endParaRPr lang="en-US" dirty="0"/>
@@ -224,7 +224,7 @@
           </a:lstStyle>
           <a:p>
             <a:r>
-              <a:rPr lang="en-US" smtClean="0"/>
+              <a:rPr lang="en-US"/>
               <a:t>Click to edit Master subtitle style</a:t>
             </a:r>
             <a:endParaRPr lang="en-US" dirty="0"/>
@@ -248,7 +248,7 @@
           <a:p>
             <a:fld id="{4A05E241-9B1A-4ED9-8724-5E03C726729F}" type="datetimeFigureOut">
               <a:rPr lang="he-IL" smtClean="0"/>
-              <a:t>י"ז/כסלו/תשפ"ב</a:t>
+              <a:t>כ"ז/סיון/תשפ"ב</a:t>
             </a:fld>
             <a:endParaRPr lang="he-IL"/>
           </a:p>
@@ -299,7 +299,7 @@
     </p:spTree>
     <p:extLst>
       <p:ext uri="{BB962C8B-B14F-4D97-AF65-F5344CB8AC3E}">
-        <p14:creationId xmlns:p14="http://schemas.microsoft.com/office/powerpoint/2010/main" val="2621978561"/>
+        <p14:creationId xmlns:p14="http://schemas.microsoft.com/office/powerpoint/2010/main" val="4123654705"/>
       </p:ext>
     </p:extLst>
   </p:cSld>
@@ -342,7 +342,7 @@
           <a:lstStyle/>
           <a:p>
             <a:r>
-              <a:rPr lang="en-US" smtClean="0"/>
+              <a:rPr lang="en-US"/>
               <a:t>Click to edit Master title style</a:t>
             </a:r>
             <a:endParaRPr lang="en-US" dirty="0"/>
@@ -366,35 +366,35 @@
           <a:p>
             <a:pPr lvl="0"/>
             <a:r>
-              <a:rPr lang="en-US" smtClean="0"/>
+              <a:rPr lang="en-US"/>
               <a:t>Edit Master text styles</a:t>
             </a:r>
           </a:p>
           <a:p>
             <a:pPr lvl="1"/>
             <a:r>
-              <a:rPr lang="en-US" smtClean="0"/>
+              <a:rPr lang="en-US"/>
               <a:t>Second level</a:t>
             </a:r>
           </a:p>
           <a:p>
             <a:pPr lvl="2"/>
             <a:r>
-              <a:rPr lang="en-US" smtClean="0"/>
+              <a:rPr lang="en-US"/>
               <a:t>Third level</a:t>
             </a:r>
           </a:p>
           <a:p>
             <a:pPr lvl="3"/>
             <a:r>
-              <a:rPr lang="en-US" smtClean="0"/>
+              <a:rPr lang="en-US"/>
               <a:t>Fourth level</a:t>
             </a:r>
           </a:p>
           <a:p>
             <a:pPr lvl="4"/>
             <a:r>
-              <a:rPr lang="en-US" smtClean="0"/>
+              <a:rPr lang="en-US"/>
               <a:t>Fifth level</a:t>
             </a:r>
             <a:endParaRPr lang="en-US" dirty="0"/>
@@ -418,7 +418,7 @@
           <a:p>
             <a:fld id="{4A05E241-9B1A-4ED9-8724-5E03C726729F}" type="datetimeFigureOut">
               <a:rPr lang="he-IL" smtClean="0"/>
-              <a:t>י"ז/כסלו/תשפ"ב</a:t>
+              <a:t>כ"ז/סיון/תשפ"ב</a:t>
             </a:fld>
             <a:endParaRPr lang="he-IL"/>
           </a:p>
@@ -469,7 +469,7 @@
     </p:spTree>
     <p:extLst>
       <p:ext uri="{BB962C8B-B14F-4D97-AF65-F5344CB8AC3E}">
-        <p14:creationId xmlns:p14="http://schemas.microsoft.com/office/powerpoint/2010/main" val="2260745845"/>
+        <p14:creationId xmlns:p14="http://schemas.microsoft.com/office/powerpoint/2010/main" val="3094036602"/>
       </p:ext>
     </p:extLst>
   </p:cSld>
@@ -517,7 +517,7 @@
           <a:lstStyle/>
           <a:p>
             <a:r>
-              <a:rPr lang="en-US" smtClean="0"/>
+              <a:rPr lang="en-US"/>
               <a:t>Click to edit Master title style</a:t>
             </a:r>
             <a:endParaRPr lang="en-US" dirty="0"/>
@@ -546,35 +546,35 @@
           <a:p>
             <a:pPr lvl="0"/>
             <a:r>
-              <a:rPr lang="en-US" smtClean="0"/>
+              <a:rPr lang="en-US"/>
               <a:t>Edit Master text styles</a:t>
             </a:r>
           </a:p>
           <a:p>
             <a:pPr lvl="1"/>
             <a:r>
-              <a:rPr lang="en-US" smtClean="0"/>
+              <a:rPr lang="en-US"/>
               <a:t>Second level</a:t>
             </a:r>
           </a:p>
           <a:p>
             <a:pPr lvl="2"/>
             <a:r>
-              <a:rPr lang="en-US" smtClean="0"/>
+              <a:rPr lang="en-US"/>
               <a:t>Third level</a:t>
             </a:r>
           </a:p>
           <a:p>
             <a:pPr lvl="3"/>
             <a:r>
-              <a:rPr lang="en-US" smtClean="0"/>
+              <a:rPr lang="en-US"/>
               <a:t>Fourth level</a:t>
             </a:r>
           </a:p>
           <a:p>
             <a:pPr lvl="4"/>
             <a:r>
-              <a:rPr lang="en-US" smtClean="0"/>
+              <a:rPr lang="en-US"/>
               <a:t>Fifth level</a:t>
             </a:r>
             <a:endParaRPr lang="en-US" dirty="0"/>
@@ -598,7 +598,7 @@
           <a:p>
             <a:fld id="{4A05E241-9B1A-4ED9-8724-5E03C726729F}" type="datetimeFigureOut">
               <a:rPr lang="he-IL" smtClean="0"/>
-              <a:t>י"ז/כסלו/תשפ"ב</a:t>
+              <a:t>כ"ז/סיון/תשפ"ב</a:t>
             </a:fld>
             <a:endParaRPr lang="he-IL"/>
           </a:p>
@@ -649,7 +649,7 @@
     </p:spTree>
     <p:extLst>
       <p:ext uri="{BB962C8B-B14F-4D97-AF65-F5344CB8AC3E}">
-        <p14:creationId xmlns:p14="http://schemas.microsoft.com/office/powerpoint/2010/main" val="2685307874"/>
+        <p14:creationId xmlns:p14="http://schemas.microsoft.com/office/powerpoint/2010/main" val="1126542067"/>
       </p:ext>
     </p:extLst>
   </p:cSld>
@@ -692,7 +692,7 @@
           <a:lstStyle/>
           <a:p>
             <a:r>
-              <a:rPr lang="en-US" smtClean="0"/>
+              <a:rPr lang="en-US"/>
               <a:t>Click to edit Master title style</a:t>
             </a:r>
             <a:endParaRPr lang="en-US" dirty="0"/>
@@ -716,35 +716,35 @@
           <a:p>
             <a:pPr lvl="0"/>
             <a:r>
-              <a:rPr lang="en-US" smtClean="0"/>
+              <a:rPr lang="en-US"/>
               <a:t>Edit Master text styles</a:t>
             </a:r>
           </a:p>
           <a:p>
             <a:pPr lvl="1"/>
             <a:r>
-              <a:rPr lang="en-US" smtClean="0"/>
+              <a:rPr lang="en-US"/>
               <a:t>Second level</a:t>
             </a:r>
           </a:p>
           <a:p>
             <a:pPr lvl="2"/>
             <a:r>
-              <a:rPr lang="en-US" smtClean="0"/>
+              <a:rPr lang="en-US"/>
               <a:t>Third level</a:t>
             </a:r>
           </a:p>
           <a:p>
             <a:pPr lvl="3"/>
             <a:r>
-              <a:rPr lang="en-US" smtClean="0"/>
+              <a:rPr lang="en-US"/>
               <a:t>Fourth level</a:t>
             </a:r>
           </a:p>
           <a:p>
             <a:pPr lvl="4"/>
             <a:r>
-              <a:rPr lang="en-US" smtClean="0"/>
+              <a:rPr lang="en-US"/>
               <a:t>Fifth level</a:t>
             </a:r>
             <a:endParaRPr lang="en-US" dirty="0"/>
@@ -768,7 +768,7 @@
           <a:p>
             <a:fld id="{4A05E241-9B1A-4ED9-8724-5E03C726729F}" type="datetimeFigureOut">
               <a:rPr lang="he-IL" smtClean="0"/>
-              <a:t>י"ז/כסלו/תשפ"ב</a:t>
+              <a:t>כ"ז/סיון/תשפ"ב</a:t>
             </a:fld>
             <a:endParaRPr lang="he-IL"/>
           </a:p>
@@ -819,7 +819,7 @@
     </p:spTree>
     <p:extLst>
       <p:ext uri="{BB962C8B-B14F-4D97-AF65-F5344CB8AC3E}">
-        <p14:creationId xmlns:p14="http://schemas.microsoft.com/office/powerpoint/2010/main" val="1399242262"/>
+        <p14:creationId xmlns:p14="http://schemas.microsoft.com/office/powerpoint/2010/main" val="3908479585"/>
       </p:ext>
     </p:extLst>
   </p:cSld>
@@ -871,7 +871,7 @@
           </a:lstStyle>
           <a:p>
             <a:r>
-              <a:rPr lang="en-US" smtClean="0"/>
+              <a:rPr lang="en-US"/>
               <a:t>Click to edit Master title style</a:t>
             </a:r>
             <a:endParaRPr lang="en-US" dirty="0"/>
@@ -991,7 +991,7 @@
           <a:p>
             <a:pPr lvl="0"/>
             <a:r>
-              <a:rPr lang="en-US" smtClean="0"/>
+              <a:rPr lang="en-US"/>
               <a:t>Edit Master text styles</a:t>
             </a:r>
           </a:p>
@@ -1014,7 +1014,7 @@
           <a:p>
             <a:fld id="{4A05E241-9B1A-4ED9-8724-5E03C726729F}" type="datetimeFigureOut">
               <a:rPr lang="he-IL" smtClean="0"/>
-              <a:t>י"ז/כסלו/תשפ"ב</a:t>
+              <a:t>כ"ז/סיון/תשפ"ב</a:t>
             </a:fld>
             <a:endParaRPr lang="he-IL"/>
           </a:p>
@@ -1065,7 +1065,7 @@
     </p:spTree>
     <p:extLst>
       <p:ext uri="{BB962C8B-B14F-4D97-AF65-F5344CB8AC3E}">
-        <p14:creationId xmlns:p14="http://schemas.microsoft.com/office/powerpoint/2010/main" val="1662697415"/>
+        <p14:creationId xmlns:p14="http://schemas.microsoft.com/office/powerpoint/2010/main" val="2662592524"/>
       </p:ext>
     </p:extLst>
   </p:cSld>
@@ -1108,7 +1108,7 @@
           <a:lstStyle/>
           <a:p>
             <a:r>
-              <a:rPr lang="en-US" smtClean="0"/>
+              <a:rPr lang="en-US"/>
               <a:t>Click to edit Master title style</a:t>
             </a:r>
             <a:endParaRPr lang="en-US" dirty="0"/>
@@ -1137,35 +1137,35 @@
           <a:p>
             <a:pPr lvl="0"/>
             <a:r>
-              <a:rPr lang="en-US" smtClean="0"/>
+              <a:rPr lang="en-US"/>
               <a:t>Edit Master text styles</a:t>
             </a:r>
           </a:p>
           <a:p>
             <a:pPr lvl="1"/>
             <a:r>
-              <a:rPr lang="en-US" smtClean="0"/>
+              <a:rPr lang="en-US"/>
               <a:t>Second level</a:t>
             </a:r>
           </a:p>
           <a:p>
             <a:pPr lvl="2"/>
             <a:r>
-              <a:rPr lang="en-US" smtClean="0"/>
+              <a:rPr lang="en-US"/>
               <a:t>Third level</a:t>
             </a:r>
           </a:p>
           <a:p>
             <a:pPr lvl="3"/>
             <a:r>
-              <a:rPr lang="en-US" smtClean="0"/>
+              <a:rPr lang="en-US"/>
               <a:t>Fourth level</a:t>
             </a:r>
           </a:p>
           <a:p>
             <a:pPr lvl="4"/>
             <a:r>
-              <a:rPr lang="en-US" smtClean="0"/>
+              <a:rPr lang="en-US"/>
               <a:t>Fifth level</a:t>
             </a:r>
             <a:endParaRPr lang="en-US" dirty="0"/>
@@ -1194,35 +1194,35 @@
           <a:p>
             <a:pPr lvl="0"/>
             <a:r>
-              <a:rPr lang="en-US" smtClean="0"/>
+              <a:rPr lang="en-US"/>
               <a:t>Edit Master text styles</a:t>
             </a:r>
           </a:p>
           <a:p>
             <a:pPr lvl="1"/>
             <a:r>
-              <a:rPr lang="en-US" smtClean="0"/>
+              <a:rPr lang="en-US"/>
               <a:t>Second level</a:t>
             </a:r>
           </a:p>
           <a:p>
             <a:pPr lvl="2"/>
             <a:r>
-              <a:rPr lang="en-US" smtClean="0"/>
+              <a:rPr lang="en-US"/>
               <a:t>Third level</a:t>
             </a:r>
           </a:p>
           <a:p>
             <a:pPr lvl="3"/>
             <a:r>
-              <a:rPr lang="en-US" smtClean="0"/>
+              <a:rPr lang="en-US"/>
               <a:t>Fourth level</a:t>
             </a:r>
           </a:p>
           <a:p>
             <a:pPr lvl="4"/>
             <a:r>
-              <a:rPr lang="en-US" smtClean="0"/>
+              <a:rPr lang="en-US"/>
               <a:t>Fifth level</a:t>
             </a:r>
             <a:endParaRPr lang="en-US" dirty="0"/>
@@ -1246,7 +1246,7 @@
           <a:p>
             <a:fld id="{4A05E241-9B1A-4ED9-8724-5E03C726729F}" type="datetimeFigureOut">
               <a:rPr lang="he-IL" smtClean="0"/>
-              <a:t>י"ז/כסלו/תשפ"ב</a:t>
+              <a:t>כ"ז/סיון/תשפ"ב</a:t>
             </a:fld>
             <a:endParaRPr lang="he-IL"/>
           </a:p>
@@ -1297,7 +1297,7 @@
     </p:spTree>
     <p:extLst>
       <p:ext uri="{BB962C8B-B14F-4D97-AF65-F5344CB8AC3E}">
-        <p14:creationId xmlns:p14="http://schemas.microsoft.com/office/powerpoint/2010/main" val="580727870"/>
+        <p14:creationId xmlns:p14="http://schemas.microsoft.com/office/powerpoint/2010/main" val="2383428586"/>
       </p:ext>
     </p:extLst>
   </p:cSld>
@@ -1345,7 +1345,7 @@
           <a:lstStyle/>
           <a:p>
             <a:r>
-              <a:rPr lang="en-US" smtClean="0"/>
+              <a:rPr lang="en-US"/>
               <a:t>Click to edit Master title style</a:t>
             </a:r>
             <a:endParaRPr lang="en-US" dirty="0"/>
@@ -1411,7 +1411,7 @@
           <a:p>
             <a:pPr lvl="0"/>
             <a:r>
-              <a:rPr lang="en-US" smtClean="0"/>
+              <a:rPr lang="en-US"/>
               <a:t>Edit Master text styles</a:t>
             </a:r>
           </a:p>
@@ -1439,35 +1439,35 @@
           <a:p>
             <a:pPr lvl="0"/>
             <a:r>
-              <a:rPr lang="en-US" smtClean="0"/>
+              <a:rPr lang="en-US"/>
               <a:t>Edit Master text styles</a:t>
             </a:r>
           </a:p>
           <a:p>
             <a:pPr lvl="1"/>
             <a:r>
-              <a:rPr lang="en-US" smtClean="0"/>
+              <a:rPr lang="en-US"/>
               <a:t>Second level</a:t>
             </a:r>
           </a:p>
           <a:p>
             <a:pPr lvl="2"/>
             <a:r>
-              <a:rPr lang="en-US" smtClean="0"/>
+              <a:rPr lang="en-US"/>
               <a:t>Third level</a:t>
             </a:r>
           </a:p>
           <a:p>
             <a:pPr lvl="3"/>
             <a:r>
-              <a:rPr lang="en-US" smtClean="0"/>
+              <a:rPr lang="en-US"/>
               <a:t>Fourth level</a:t>
             </a:r>
           </a:p>
           <a:p>
             <a:pPr lvl="4"/>
             <a:r>
-              <a:rPr lang="en-US" smtClean="0"/>
+              <a:rPr lang="en-US"/>
               <a:t>Fifth level</a:t>
             </a:r>
             <a:endParaRPr lang="en-US" dirty="0"/>
@@ -1533,7 +1533,7 @@
           <a:p>
             <a:pPr lvl="0"/>
             <a:r>
-              <a:rPr lang="en-US" smtClean="0"/>
+              <a:rPr lang="en-US"/>
               <a:t>Edit Master text styles</a:t>
             </a:r>
           </a:p>
@@ -1561,35 +1561,35 @@
           <a:p>
             <a:pPr lvl="0"/>
             <a:r>
-              <a:rPr lang="en-US" smtClean="0"/>
+              <a:rPr lang="en-US"/>
               <a:t>Edit Master text styles</a:t>
             </a:r>
           </a:p>
           <a:p>
             <a:pPr lvl="1"/>
             <a:r>
-              <a:rPr lang="en-US" smtClean="0"/>
+              <a:rPr lang="en-US"/>
               <a:t>Second level</a:t>
             </a:r>
           </a:p>
           <a:p>
             <a:pPr lvl="2"/>
             <a:r>
-              <a:rPr lang="en-US" smtClean="0"/>
+              <a:rPr lang="en-US"/>
               <a:t>Third level</a:t>
             </a:r>
           </a:p>
           <a:p>
             <a:pPr lvl="3"/>
             <a:r>
-              <a:rPr lang="en-US" smtClean="0"/>
+              <a:rPr lang="en-US"/>
               <a:t>Fourth level</a:t>
             </a:r>
           </a:p>
           <a:p>
             <a:pPr lvl="4"/>
             <a:r>
-              <a:rPr lang="en-US" smtClean="0"/>
+              <a:rPr lang="en-US"/>
               <a:t>Fifth level</a:t>
             </a:r>
             <a:endParaRPr lang="en-US" dirty="0"/>
@@ -1613,7 +1613,7 @@
           <a:p>
             <a:fld id="{4A05E241-9B1A-4ED9-8724-5E03C726729F}" type="datetimeFigureOut">
               <a:rPr lang="he-IL" smtClean="0"/>
-              <a:t>י"ז/כסלו/תשפ"ב</a:t>
+              <a:t>כ"ז/סיון/תשפ"ב</a:t>
             </a:fld>
             <a:endParaRPr lang="he-IL"/>
           </a:p>
@@ -1664,7 +1664,7 @@
     </p:spTree>
     <p:extLst>
       <p:ext uri="{BB962C8B-B14F-4D97-AF65-F5344CB8AC3E}">
-        <p14:creationId xmlns:p14="http://schemas.microsoft.com/office/powerpoint/2010/main" val="3863314182"/>
+        <p14:creationId xmlns:p14="http://schemas.microsoft.com/office/powerpoint/2010/main" val="49148694"/>
       </p:ext>
     </p:extLst>
   </p:cSld>
@@ -1707,7 +1707,7 @@
           <a:lstStyle/>
           <a:p>
             <a:r>
-              <a:rPr lang="en-US" smtClean="0"/>
+              <a:rPr lang="en-US"/>
               <a:t>Click to edit Master title style</a:t>
             </a:r>
             <a:endParaRPr lang="en-US" dirty="0"/>
@@ -1731,7 +1731,7 @@
           <a:p>
             <a:fld id="{4A05E241-9B1A-4ED9-8724-5E03C726729F}" type="datetimeFigureOut">
               <a:rPr lang="he-IL" smtClean="0"/>
-              <a:t>י"ז/כסלו/תשפ"ב</a:t>
+              <a:t>כ"ז/סיון/תשפ"ב</a:t>
             </a:fld>
             <a:endParaRPr lang="he-IL"/>
           </a:p>
@@ -1782,7 +1782,7 @@
     </p:spTree>
     <p:extLst>
       <p:ext uri="{BB962C8B-B14F-4D97-AF65-F5344CB8AC3E}">
-        <p14:creationId xmlns:p14="http://schemas.microsoft.com/office/powerpoint/2010/main" val="4194433629"/>
+        <p14:creationId xmlns:p14="http://schemas.microsoft.com/office/powerpoint/2010/main" val="2314367648"/>
       </p:ext>
     </p:extLst>
   </p:cSld>
@@ -1826,7 +1826,7 @@
           <a:p>
             <a:fld id="{4A05E241-9B1A-4ED9-8724-5E03C726729F}" type="datetimeFigureOut">
               <a:rPr lang="he-IL" smtClean="0"/>
-              <a:t>י"ז/כסלו/תשפ"ב</a:t>
+              <a:t>כ"ז/סיון/תשפ"ב</a:t>
             </a:fld>
             <a:endParaRPr lang="he-IL"/>
           </a:p>
@@ -1877,7 +1877,7 @@
     </p:spTree>
     <p:extLst>
       <p:ext uri="{BB962C8B-B14F-4D97-AF65-F5344CB8AC3E}">
-        <p14:creationId xmlns:p14="http://schemas.microsoft.com/office/powerpoint/2010/main" val="698409895"/>
+        <p14:creationId xmlns:p14="http://schemas.microsoft.com/office/powerpoint/2010/main" val="1323304602"/>
       </p:ext>
     </p:extLst>
   </p:cSld>
@@ -1929,7 +1929,7 @@
           </a:lstStyle>
           <a:p>
             <a:r>
-              <a:rPr lang="en-US" smtClean="0"/>
+              <a:rPr lang="en-US"/>
               <a:t>Click to edit Master title style</a:t>
             </a:r>
             <a:endParaRPr lang="en-US" dirty="0"/>
@@ -1986,35 +1986,35 @@
           <a:p>
             <a:pPr lvl="0"/>
             <a:r>
-              <a:rPr lang="en-US" smtClean="0"/>
+              <a:rPr lang="en-US"/>
               <a:t>Edit Master text styles</a:t>
             </a:r>
           </a:p>
           <a:p>
             <a:pPr lvl="1"/>
             <a:r>
-              <a:rPr lang="en-US" smtClean="0"/>
+              <a:rPr lang="en-US"/>
               <a:t>Second level</a:t>
             </a:r>
           </a:p>
           <a:p>
             <a:pPr lvl="2"/>
             <a:r>
-              <a:rPr lang="en-US" smtClean="0"/>
+              <a:rPr lang="en-US"/>
               <a:t>Third level</a:t>
             </a:r>
           </a:p>
           <a:p>
             <a:pPr lvl="3"/>
             <a:r>
-              <a:rPr lang="en-US" smtClean="0"/>
+              <a:rPr lang="en-US"/>
               <a:t>Fourth level</a:t>
             </a:r>
           </a:p>
           <a:p>
             <a:pPr lvl="4"/>
             <a:r>
-              <a:rPr lang="en-US" smtClean="0"/>
+              <a:rPr lang="en-US"/>
               <a:t>Fifth level</a:t>
             </a:r>
             <a:endParaRPr lang="en-US" dirty="0"/>
@@ -2080,7 +2080,7 @@
           <a:p>
             <a:pPr lvl="0"/>
             <a:r>
-              <a:rPr lang="en-US" smtClean="0"/>
+              <a:rPr lang="en-US"/>
               <a:t>Edit Master text styles</a:t>
             </a:r>
           </a:p>
@@ -2103,7 +2103,7 @@
           <a:p>
             <a:fld id="{4A05E241-9B1A-4ED9-8724-5E03C726729F}" type="datetimeFigureOut">
               <a:rPr lang="he-IL" smtClean="0"/>
-              <a:t>י"ז/כסלו/תשפ"ב</a:t>
+              <a:t>כ"ז/סיון/תשפ"ב</a:t>
             </a:fld>
             <a:endParaRPr lang="he-IL"/>
           </a:p>
@@ -2154,7 +2154,7 @@
     </p:spTree>
     <p:extLst>
       <p:ext uri="{BB962C8B-B14F-4D97-AF65-F5344CB8AC3E}">
-        <p14:creationId xmlns:p14="http://schemas.microsoft.com/office/powerpoint/2010/main" val="508198469"/>
+        <p14:creationId xmlns:p14="http://schemas.microsoft.com/office/powerpoint/2010/main" val="3707027424"/>
       </p:ext>
     </p:extLst>
   </p:cSld>
@@ -2206,7 +2206,7 @@
           </a:lstStyle>
           <a:p>
             <a:r>
-              <a:rPr lang="en-US" smtClean="0"/>
+              <a:rPr lang="en-US"/>
               <a:t>Click to edit Master title style</a:t>
             </a:r>
             <a:endParaRPr lang="en-US" dirty="0"/>
@@ -2271,7 +2271,7 @@
           </a:lstStyle>
           <a:p>
             <a:r>
-              <a:rPr lang="en-US" smtClean="0"/>
+              <a:rPr lang="en-US"/>
               <a:t>Click icon to add picture</a:t>
             </a:r>
             <a:endParaRPr lang="en-US" dirty="0"/>
@@ -2337,7 +2337,7 @@
           <a:p>
             <a:pPr lvl="0"/>
             <a:r>
-              <a:rPr lang="en-US" smtClean="0"/>
+              <a:rPr lang="en-US"/>
               <a:t>Edit Master text styles</a:t>
             </a:r>
           </a:p>
@@ -2360,7 +2360,7 @@
           <a:p>
             <a:fld id="{4A05E241-9B1A-4ED9-8724-5E03C726729F}" type="datetimeFigureOut">
               <a:rPr lang="he-IL" smtClean="0"/>
-              <a:t>י"ז/כסלו/תשפ"ב</a:t>
+              <a:t>כ"ז/סיון/תשפ"ב</a:t>
             </a:fld>
             <a:endParaRPr lang="he-IL"/>
           </a:p>
@@ -2411,7 +2411,7 @@
     </p:spTree>
     <p:extLst>
       <p:ext uri="{BB962C8B-B14F-4D97-AF65-F5344CB8AC3E}">
-        <p14:creationId xmlns:p14="http://schemas.microsoft.com/office/powerpoint/2010/main" val="3799097405"/>
+        <p14:creationId xmlns:p14="http://schemas.microsoft.com/office/powerpoint/2010/main" val="4280004514"/>
       </p:ext>
     </p:extLst>
   </p:cSld>
@@ -2469,7 +2469,7 @@
           <a:lstStyle/>
           <a:p>
             <a:r>
-              <a:rPr lang="en-US" smtClean="0"/>
+              <a:rPr lang="en-US"/>
               <a:t>Click to edit Master title style</a:t>
             </a:r>
             <a:endParaRPr lang="en-US" dirty="0"/>
@@ -2503,35 +2503,35 @@
           <a:p>
             <a:pPr lvl="0"/>
             <a:r>
-              <a:rPr lang="en-US" smtClean="0"/>
+              <a:rPr lang="en-US"/>
               <a:t>Edit Master text styles</a:t>
             </a:r>
           </a:p>
           <a:p>
             <a:pPr lvl="1"/>
             <a:r>
-              <a:rPr lang="en-US" smtClean="0"/>
+              <a:rPr lang="en-US"/>
               <a:t>Second level</a:t>
             </a:r>
           </a:p>
           <a:p>
             <a:pPr lvl="2"/>
             <a:r>
-              <a:rPr lang="en-US" smtClean="0"/>
+              <a:rPr lang="en-US"/>
               <a:t>Third level</a:t>
             </a:r>
           </a:p>
           <a:p>
             <a:pPr lvl="3"/>
             <a:r>
-              <a:rPr lang="en-US" smtClean="0"/>
+              <a:rPr lang="en-US"/>
               <a:t>Fourth level</a:t>
             </a:r>
           </a:p>
           <a:p>
             <a:pPr lvl="4"/>
             <a:r>
-              <a:rPr lang="en-US" smtClean="0"/>
+              <a:rPr lang="en-US"/>
               <a:t>Fifth level</a:t>
             </a:r>
             <a:endParaRPr lang="en-US" dirty="0"/>
@@ -2573,7 +2573,7 @@
           <a:p>
             <a:fld id="{4A05E241-9B1A-4ED9-8724-5E03C726729F}" type="datetimeFigureOut">
               <a:rPr lang="he-IL" smtClean="0"/>
-              <a:t>י"ז/כסלו/תשפ"ב</a:t>
+              <a:t>כ"ז/סיון/תשפ"ב</a:t>
             </a:fld>
             <a:endParaRPr lang="he-IL"/>
           </a:p>
@@ -2660,7 +2660,7 @@
     </p:spTree>
     <p:extLst>
       <p:ext uri="{BB962C8B-B14F-4D97-AF65-F5344CB8AC3E}">
-        <p14:creationId xmlns:p14="http://schemas.microsoft.com/office/powerpoint/2010/main" val="3848610314"/>
+        <p14:creationId xmlns:p14="http://schemas.microsoft.com/office/powerpoint/2010/main" val="1143953051"/>
       </p:ext>
     </p:extLst>
   </p:cSld>
@@ -2993,10 +2993,10 @@
           <a:bodyPr/>
           <a:lstStyle/>
           <a:p>
-            <a:pPr algn="ctr" rtl="0"/>
+            <a:pPr algn="ctr"/>
             <a:r>
               <a:rPr lang="he-IL" dirty="0" smtClean="0"/>
-              <a:t>מגע\קירבה פיזית</a:t>
+              <a:t>סינכרון קירבה פיזית</a:t>
             </a:r>
             <a:endParaRPr lang="he-IL" dirty="0"/>
           </a:p>
@@ -3014,23 +3014,56 @@
         </p:nvSpPr>
         <p:spPr/>
         <p:txBody>
-          <a:bodyPr/>
+          <a:bodyPr>
+            <a:normAutofit fontScale="92500" lnSpcReduction="20000"/>
+          </a:bodyPr>
           <a:lstStyle/>
           <a:p>
             <a:pPr marL="0" indent="0">
               <a:buNone/>
             </a:pPr>
             <a:r>
+              <a:rPr lang="he-IL" dirty="0"/>
+              <a:t>אתם עומדים לצפות בקטע וידאו קצר המתאר אינטראקציה חברתית. </a:t>
+            </a:r>
+            <a:endParaRPr lang="he-IL" dirty="0" smtClean="0"/>
+          </a:p>
+          <a:p>
+            <a:pPr marL="0" indent="0">
+              <a:buNone/>
+            </a:pPr>
+            <a:endParaRPr lang="he-IL" dirty="0"/>
+          </a:p>
+          <a:p>
+            <a:pPr marL="0" indent="0">
+              <a:buNone/>
+            </a:pPr>
+            <a:r>
               <a:rPr lang="he-IL" dirty="0" smtClean="0"/>
-              <a:t>אתם </a:t>
+              <a:t>קירבה פיזית מורכבת ממגע, מנח הגוף ומרחק פיזי, והם מרכיבים חשובים באינטראקציות חברתיות.</a:t>
+            </a:r>
+          </a:p>
+          <a:p>
+            <a:pPr marL="0" indent="0">
+              <a:buNone/>
+            </a:pPr>
+            <a:endParaRPr lang="he-IL" dirty="0" smtClean="0"/>
+          </a:p>
+          <a:p>
+            <a:pPr marL="0" indent="0">
+              <a:buNone/>
+            </a:pPr>
+            <a:r>
+              <a:rPr lang="he-IL" dirty="0" smtClean="0"/>
+              <a:t>אנא </a:t>
             </a:r>
             <a:r>
               <a:rPr lang="he-IL" dirty="0"/>
-              <a:t>עומדים לצפות בקטע וידאו קצר המתאר אינטראקציה חברתית. אנא דרגו בעזרת הסליידר את רמת </a:t>
+              <a:t>דרגו בעזרת הסליידר את רמת </a:t>
             </a:r>
             <a:r>
               <a:rPr lang="he-IL" dirty="0" smtClean="0"/>
-              <a:t>המגע\קרבה פיזית </a:t>
+              <a:t>סינכרון הקירבה הפיזית </a:t>
             </a:r>
             <a:r>
               <a:rPr lang="he-IL" dirty="0"/>
@@ -3038,15 +3071,23 @@
             </a:r>
             <a:r>
               <a:rPr lang="he-IL" dirty="0" smtClean="0"/>
-              <a:t>מגע\קרבה כלל</a:t>
+              <a:t>סינכרון קירבה פיזית </a:t>
             </a:r>
             <a:r>
               <a:rPr lang="he-IL" dirty="0"/>
-              <a:t>" ועד </a:t>
+              <a:t>כלל" ועד </a:t>
             </a:r>
             <a:r>
               <a:rPr lang="he-IL" dirty="0" smtClean="0"/>
-              <a:t>ל"מגע מלא, קרובים מאוד".</a:t>
+              <a:t>ל"סינכרון קירבה פיזית </a:t>
+            </a:r>
+            <a:r>
+              <a:rPr lang="he-IL" dirty="0"/>
+              <a:t>מקסימלי</a:t>
+            </a:r>
+            <a:r>
+              <a:rPr lang="he-IL" dirty="0" smtClean="0"/>
+              <a:t>".</a:t>
             </a:r>
           </a:p>
           <a:p>
@@ -3056,26 +3097,19 @@
             <a:endParaRPr lang="he-IL" dirty="0"/>
           </a:p>
           <a:p>
+            <a:pPr marL="0" indent="0" algn="ctr">
+              <a:buNone/>
+            </a:pPr>
+            <a:r>
+              <a:rPr lang="he-IL" dirty="0" smtClean="0"/>
+              <a:t>מיד נציג לכם מספר דוגמאות:</a:t>
+            </a:r>
+            <a:endParaRPr lang="he-IL" dirty="0"/>
+          </a:p>
+          <a:p>
             <a:pPr marL="0" indent="0">
               <a:buNone/>
             </a:pPr>
-            <a:r>
-              <a:rPr lang="he-IL" smtClean="0"/>
-              <a:t>מיד תראו מספר דוגמאות:</a:t>
-            </a:r>
-            <a:endParaRPr lang="he-IL" dirty="0"/>
-          </a:p>
-          <a:p>
-            <a:pPr marL="0" indent="0">
-              <a:buNone/>
-            </a:pPr>
-            <a:r>
-              <a:rPr lang="he-IL" dirty="0"/>
-              <a:t/>
-            </a:r>
-            <a:br>
-              <a:rPr lang="he-IL" dirty="0"/>
-            </a:br>
             <a:r>
               <a:rPr lang="he-IL" dirty="0"/>
               <a:t/>
@@ -3090,13 +3124,20 @@
     </p:spTree>
     <p:extLst>
       <p:ext uri="{BB962C8B-B14F-4D97-AF65-F5344CB8AC3E}">
-        <p14:creationId xmlns:p14="http://schemas.microsoft.com/office/powerpoint/2010/main" val="2067535687"/>
+        <p14:creationId xmlns:p14="http://schemas.microsoft.com/office/powerpoint/2010/main" val="3389381411"/>
       </p:ext>
     </p:extLst>
   </p:cSld>
   <p:clrMapOvr>
     <a:masterClrMapping/>
   </p:clrMapOvr>
+  <p:timing>
+    <p:tnLst>
+      <p:par>
+        <p:cTn id="1" dur="indefinite" restart="never" nodeType="tmRoot"/>
+      </p:par>
+    </p:tnLst>
+  </p:timing>
 </p:sld>
 </file>
 
@@ -3117,25 +3158,30 @@
           <a:chExt cx="0" cy="0"/>
         </a:xfrm>
       </p:grpSpPr>
-      <p:sp>
-        <p:nvSpPr>
-          <p:cNvPr id="2" name="Title 1"/>
-          <p:cNvSpPr>
-            <a:spLocks noGrp="1"/>
-          </p:cNvSpPr>
-          <p:nvPr>
-            <p:ph type="title"/>
-          </p:nvPr>
-        </p:nvSpPr>
-        <p:spPr/>
-        <p:txBody>
-          <a:bodyPr/>
-          <a:lstStyle/>
-          <a:p>
-            <a:endParaRPr lang="he-IL"/>
-          </a:p>
-        </p:txBody>
-      </p:sp>
+      <p:pic>
+        <p:nvPicPr>
+          <p:cNvPr id="13" name="Picture 12"/>
+          <p:cNvPicPr>
+            <a:picLocks noChangeAspect="1"/>
+          </p:cNvPicPr>
+          <p:nvPr/>
+        </p:nvPicPr>
+        <p:blipFill>
+          <a:blip r:embed="rId2"/>
+          <a:stretch>
+            <a:fillRect/>
+          </a:stretch>
+        </p:blipFill>
+        <p:spPr>
+          <a:xfrm rot="10800000">
+            <a:off x="3051940" y="5487760"/>
+            <a:ext cx="5883150" cy="1303133"/>
+          </a:xfrm>
+          <a:prstGeom prst="rect">
+            <a:avLst/>
+          </a:prstGeom>
+        </p:spPr>
+      </p:pic>
       <p:sp>
         <p:nvSpPr>
           <p:cNvPr id="3" name="Content Placeholder 2"/>
@@ -3148,7 +3194,347 @@
         </p:nvSpPr>
         <p:spPr>
           <a:xfrm>
-            <a:off x="759823" y="1930127"/>
+            <a:off x="282355" y="152812"/>
+            <a:ext cx="11438313" cy="4351338"/>
+          </a:xfrm>
+        </p:spPr>
+        <p:txBody>
+          <a:bodyPr/>
+          <a:lstStyle/>
+          <a:p>
+            <a:pPr marL="0" indent="0">
+              <a:buNone/>
+            </a:pPr>
+            <a:r>
+              <a:rPr lang="he-IL" dirty="0" smtClean="0"/>
+              <a:t>סינכרון קירבה פיזית גבוה יכול להיות כאשר </a:t>
+            </a:r>
+            <a:r>
+              <a:rPr lang="he-IL" dirty="0"/>
+              <a:t>דמות א' ודמות ב' </a:t>
+            </a:r>
+            <a:r>
+              <a:rPr lang="he-IL" dirty="0" smtClean="0"/>
+              <a:t>מבצעות פעולה אקטיבית של התקרבות ומגע, נוגעות </a:t>
+            </a:r>
+            <a:r>
+              <a:rPr lang="he-IL" dirty="0"/>
+              <a:t>זו בזו </a:t>
+            </a:r>
+            <a:r>
+              <a:rPr lang="he-IL" dirty="0" smtClean="0"/>
+              <a:t>בו-זמנית באופן אקטיבי. </a:t>
+            </a:r>
+            <a:r>
+              <a:rPr lang="he-IL" dirty="0"/>
+              <a:t>המגע הפיזי יכול להיות בקונטקסט חיובי </a:t>
+            </a:r>
+            <a:r>
+              <a:rPr lang="he-IL" dirty="0" smtClean="0"/>
+              <a:t>(למשל, חיבוק</a:t>
+            </a:r>
+            <a:r>
+              <a:rPr lang="he-IL" dirty="0"/>
+              <a:t>) או </a:t>
+            </a:r>
+            <a:r>
+              <a:rPr lang="he-IL" dirty="0" smtClean="0"/>
+              <a:t>בקונטקסט </a:t>
+            </a:r>
+            <a:r>
+              <a:rPr lang="he-IL" dirty="0"/>
+              <a:t>שלילי </a:t>
+            </a:r>
+            <a:r>
+              <a:rPr lang="he-IL" dirty="0" smtClean="0"/>
+              <a:t>(למשל, האבקות</a:t>
+            </a:r>
+            <a:r>
+              <a:rPr lang="he-IL" dirty="0"/>
+              <a:t>).</a:t>
+            </a:r>
+          </a:p>
+        </p:txBody>
+      </p:sp>
+      <p:pic>
+        <p:nvPicPr>
+          <p:cNvPr id="8" name="Picture 6" descr="https://lh5.googleusercontent.com/n9lfcFCYP1YzSqbi5ljJ4HRXWdZOCXZoEwYGDbo9akITFVl3sdcsWJAj2axZkLFqQhM27vVOsKyPQVBJw6wFTquEKvjZUdIziMWj5zj7C3vWPizOUO9lBB0ch73VgPtffDT8Jdfu"/>
+          <p:cNvPicPr>
+            <a:picLocks noChangeAspect="1" noChangeArrowheads="1"/>
+          </p:cNvPicPr>
+          <p:nvPr/>
+        </p:nvPicPr>
+        <p:blipFill>
+          <a:blip r:embed="rId3" cstate="print">
+            <a:extLst>
+              <a:ext uri="{28A0092B-C50C-407E-A947-70E740481C1C}">
+                <a14:useLocalDpi xmlns:a14="http://schemas.microsoft.com/office/drawing/2010/main" val="0"/>
+              </a:ext>
+            </a:extLst>
+          </a:blip>
+          <a:srcRect/>
+          <a:stretch>
+            <a:fillRect/>
+          </a:stretch>
+        </p:blipFill>
+        <p:spPr bwMode="auto">
+          <a:xfrm>
+            <a:off x="6366229" y="3752099"/>
+            <a:ext cx="2871688" cy="2057055"/>
+          </a:xfrm>
+          <a:prstGeom prst="rect">
+            <a:avLst/>
+          </a:prstGeom>
+          <a:noFill/>
+          <a:extLst>
+            <a:ext uri="{909E8E84-426E-40DD-AFC4-6F175D3DCCD1}">
+              <a14:hiddenFill xmlns:a14="http://schemas.microsoft.com/office/drawing/2010/main">
+                <a:solidFill>
+                  <a:srgbClr val="FFFFFF"/>
+                </a:solidFill>
+              </a14:hiddenFill>
+            </a:ext>
+          </a:extLst>
+        </p:spPr>
+      </p:pic>
+      <p:pic>
+        <p:nvPicPr>
+          <p:cNvPr id="9" name="Picture 3" descr="https://lh5.googleusercontent.com/2L3l_eFBv3zD5UYRvADPIRDxnH4zGZGbcrZ4Ve5BJivMDHE_-KMVcET2hET02BEXa7C5Df6NN79EyKRrYoNoIJevoIaFSEWRWgzhHMWWXBwxXihbNJe0YBEjGF3Efnjpk2E5IbYV"/>
+          <p:cNvPicPr>
+            <a:picLocks noChangeAspect="1" noChangeArrowheads="1"/>
+          </p:cNvPicPr>
+          <p:nvPr/>
+        </p:nvPicPr>
+        <p:blipFill>
+          <a:blip r:embed="rId4" cstate="print">
+            <a:extLst>
+              <a:ext uri="{28A0092B-C50C-407E-A947-70E740481C1C}">
+                <a14:useLocalDpi xmlns:a14="http://schemas.microsoft.com/office/drawing/2010/main" val="0"/>
+              </a:ext>
+            </a:extLst>
+          </a:blip>
+          <a:srcRect/>
+          <a:stretch>
+            <a:fillRect/>
+          </a:stretch>
+        </p:blipFill>
+        <p:spPr bwMode="auto">
+          <a:xfrm>
+            <a:off x="1356875" y="1508523"/>
+            <a:ext cx="2584755" cy="2006348"/>
+          </a:xfrm>
+          <a:prstGeom prst="rect">
+            <a:avLst/>
+          </a:prstGeom>
+          <a:noFill/>
+          <a:extLst>
+            <a:ext uri="{909E8E84-426E-40DD-AFC4-6F175D3DCCD1}">
+              <a14:hiddenFill xmlns:a14="http://schemas.microsoft.com/office/drawing/2010/main">
+                <a:solidFill>
+                  <a:srgbClr val="FFFFFF"/>
+                </a:solidFill>
+              </a14:hiddenFill>
+            </a:ext>
+          </a:extLst>
+        </p:spPr>
+      </p:pic>
+      <p:pic>
+        <p:nvPicPr>
+          <p:cNvPr id="10" name="Picture 4" descr="https://lh6.googleusercontent.com/nyljI2gFl2YOVmGwqJPS0X9b-l9_Au6mKRRObyncHajUo3FaIUZ-Vu6VB-Opap_HPGKySDpQ_YYFtJUSHjHEiSCR4sJoPzuwg9Kw2PpckrdBP4ljhU4thb4UiFd0kLwCHNFI_0ym"/>
+          <p:cNvPicPr>
+            <a:picLocks noChangeAspect="1" noChangeArrowheads="1"/>
+          </p:cNvPicPr>
+          <p:nvPr/>
+        </p:nvPicPr>
+        <p:blipFill>
+          <a:blip r:embed="rId5">
+            <a:extLst>
+              <a:ext uri="{28A0092B-C50C-407E-A947-70E740481C1C}">
+                <a14:useLocalDpi xmlns:a14="http://schemas.microsoft.com/office/drawing/2010/main" val="0"/>
+              </a:ext>
+            </a:extLst>
+          </a:blip>
+          <a:srcRect/>
+          <a:stretch>
+            <a:fillRect/>
+          </a:stretch>
+        </p:blipFill>
+        <p:spPr bwMode="auto">
+          <a:xfrm>
+            <a:off x="3036046" y="3752099"/>
+            <a:ext cx="2584755" cy="2006348"/>
+          </a:xfrm>
+          <a:prstGeom prst="rect">
+            <a:avLst/>
+          </a:prstGeom>
+          <a:noFill/>
+          <a:extLst>
+            <a:ext uri="{909E8E84-426E-40DD-AFC4-6F175D3DCCD1}">
+              <a14:hiddenFill xmlns:a14="http://schemas.microsoft.com/office/drawing/2010/main">
+                <a:solidFill>
+                  <a:srgbClr val="FFFFFF"/>
+                </a:solidFill>
+              </a14:hiddenFill>
+            </a:ext>
+          </a:extLst>
+        </p:spPr>
+      </p:pic>
+      <p:pic>
+        <p:nvPicPr>
+          <p:cNvPr id="11" name="Picture 5" descr="https://lh3.googleusercontent.com/EDVKCFrqTIw-e9FUE_SZdt2AK37CuLd25QBiIfZQzKrRQ6Y6M_E9qzNTevVLZrPI2v-WzGkEEWpT67OuvIfi6ExxaxdiUS_-ODivaqpr6FBPEphtLO8i0uqTlOY3TFRscbhvtIOL"/>
+          <p:cNvPicPr>
+            <a:picLocks noChangeAspect="1" noChangeArrowheads="1"/>
+          </p:cNvPicPr>
+          <p:nvPr/>
+        </p:nvPicPr>
+        <p:blipFill>
+          <a:blip r:embed="rId6">
+            <a:extLst>
+              <a:ext uri="{28A0092B-C50C-407E-A947-70E740481C1C}">
+                <a14:useLocalDpi xmlns:a14="http://schemas.microsoft.com/office/drawing/2010/main" val="0"/>
+              </a:ext>
+            </a:extLst>
+          </a:blip>
+          <a:srcRect/>
+          <a:stretch>
+            <a:fillRect/>
+          </a:stretch>
+        </p:blipFill>
+        <p:spPr bwMode="auto">
+          <a:xfrm>
+            <a:off x="8126270" y="1457816"/>
+            <a:ext cx="2871688" cy="2057055"/>
+          </a:xfrm>
+          <a:prstGeom prst="rect">
+            <a:avLst/>
+          </a:prstGeom>
+          <a:noFill/>
+          <a:extLst>
+            <a:ext uri="{909E8E84-426E-40DD-AFC4-6F175D3DCCD1}">
+              <a14:hiddenFill xmlns:a14="http://schemas.microsoft.com/office/drawing/2010/main">
+                <a:solidFill>
+                  <a:srgbClr val="FFFFFF"/>
+                </a:solidFill>
+              </a14:hiddenFill>
+            </a:ext>
+          </a:extLst>
+        </p:spPr>
+      </p:pic>
+      <p:pic>
+        <p:nvPicPr>
+          <p:cNvPr id="12" name="Picture 2" descr="https://lh5.googleusercontent.com/2AIcCiMlOKXjKSyfetfGd6h2D8iTGVAWPkaYaPg9Wf67BiVGGtIm6i2nVz6Q9Feb8kboivaZLa2MUqTqo6EO3KgSnR9VsKnBBK3WJ9GdHDgDwyxqYeLD0PtGfIolsWR5lIsdw6Am"/>
+          <p:cNvPicPr>
+            <a:picLocks noChangeAspect="1" noChangeArrowheads="1"/>
+          </p:cNvPicPr>
+          <p:nvPr/>
+        </p:nvPicPr>
+        <p:blipFill>
+          <a:blip r:embed="rId7">
+            <a:extLst>
+              <a:ext uri="{28A0092B-C50C-407E-A947-70E740481C1C}">
+                <a14:useLocalDpi xmlns:a14="http://schemas.microsoft.com/office/drawing/2010/main" val="0"/>
+              </a:ext>
+            </a:extLst>
+          </a:blip>
+          <a:srcRect/>
+          <a:stretch>
+            <a:fillRect/>
+          </a:stretch>
+        </p:blipFill>
+        <p:spPr bwMode="auto">
+          <a:xfrm>
+            <a:off x="4533230" y="1508523"/>
+            <a:ext cx="2936564" cy="2006348"/>
+          </a:xfrm>
+          <a:prstGeom prst="rect">
+            <a:avLst/>
+          </a:prstGeom>
+          <a:noFill/>
+          <a:extLst>
+            <a:ext uri="{909E8E84-426E-40DD-AFC4-6F175D3DCCD1}">
+              <a14:hiddenFill xmlns:a14="http://schemas.microsoft.com/office/drawing/2010/main">
+                <a:solidFill>
+                  <a:srgbClr val="FFFFFF"/>
+                </a:solidFill>
+              </a14:hiddenFill>
+            </a:ext>
+          </a:extLst>
+        </p:spPr>
+      </p:pic>
+    </p:spTree>
+    <p:extLst>
+      <p:ext uri="{BB962C8B-B14F-4D97-AF65-F5344CB8AC3E}">
+        <p14:creationId xmlns:p14="http://schemas.microsoft.com/office/powerpoint/2010/main" val="677546395"/>
+      </p:ext>
+    </p:extLst>
+  </p:cSld>
+  <p:clrMapOvr>
+    <a:masterClrMapping/>
+  </p:clrMapOvr>
+  <p:timing>
+    <p:tnLst>
+      <p:par>
+        <p:cTn id="1" dur="indefinite" restart="never" nodeType="tmRoot"/>
+      </p:par>
+    </p:tnLst>
+  </p:timing>
+</p:sld>
+</file>
+
+<file path=ppt/slides/slide3.xml><?xml version="1.0" encoding="utf-8"?>
+<p:sld xmlns:a="http://schemas.openxmlformats.org/drawingml/2006/main" xmlns:r="http://schemas.openxmlformats.org/officeDocument/2006/relationships" xmlns:p="http://schemas.openxmlformats.org/presentationml/2006/main">
+  <p:cSld>
+    <p:spTree>
+      <p:nvGrpSpPr>
+        <p:cNvPr id="1" name=""/>
+        <p:cNvGrpSpPr/>
+        <p:nvPr/>
+      </p:nvGrpSpPr>
+      <p:grpSpPr>
+        <a:xfrm>
+          <a:off x="0" y="0"/>
+          <a:ext cx="0" cy="0"/>
+          <a:chOff x="0" y="0"/>
+          <a:chExt cx="0" cy="0"/>
+        </a:xfrm>
+      </p:grpSpPr>
+      <p:pic>
+        <p:nvPicPr>
+          <p:cNvPr id="11" name="Picture 10"/>
+          <p:cNvPicPr>
+            <a:picLocks noChangeAspect="1"/>
+          </p:cNvPicPr>
+          <p:nvPr/>
+        </p:nvPicPr>
+        <p:blipFill>
+          <a:blip r:embed="rId2"/>
+          <a:stretch>
+            <a:fillRect/>
+          </a:stretch>
+        </p:blipFill>
+        <p:spPr>
+          <a:xfrm rot="10800000">
+            <a:off x="3241638" y="5195988"/>
+            <a:ext cx="5551970" cy="1667786"/>
+          </a:xfrm>
+          <a:prstGeom prst="rect">
+            <a:avLst/>
+          </a:prstGeom>
+        </p:spPr>
+      </p:pic>
+      <p:sp>
+        <p:nvSpPr>
+          <p:cNvPr id="3" name="Content Placeholder 2"/>
+          <p:cNvSpPr>
+            <a:spLocks noGrp="1"/>
+          </p:cNvSpPr>
+          <p:nvPr>
+            <p:ph idx="1"/>
+          </p:nvPr>
+        </p:nvSpPr>
+        <p:spPr>
+          <a:xfrm>
+            <a:off x="706385" y="562017"/>
             <a:ext cx="10515600" cy="4351338"/>
           </a:xfrm>
         </p:spPr>
@@ -3160,34 +3546,395 @@
               <a:buNone/>
             </a:pPr>
             <a:r>
-              <a:rPr lang="he-IL" dirty="0" smtClean="0">
-                <a:solidFill>
-                  <a:srgbClr val="92D050"/>
-                </a:solidFill>
-              </a:rPr>
-              <a:t>רמה גבוהה </a:t>
-            </a:r>
-            <a:r>
               <a:rPr lang="he-IL" dirty="0" smtClean="0"/>
-              <a:t>של סנכרון מגע פיזי היא מגע </a:t>
+              <a:t>לעומת זאת, כאשר </a:t>
+            </a:r>
+            <a:r>
+              <a:rPr lang="he-IL" dirty="0"/>
+              <a:t>על המסך כאשר על המסך מופיעה דמות אחת בלבד או כאשר הדמויות אינן נוגעות זו בזו, ורחוקות זו </a:t>
             </a:r>
             <a:r>
               <a:rPr lang="he-IL" dirty="0" smtClean="0"/>
-              <a:t>מלא וקרבה מקסימלית מוגדר </a:t>
-            </a:r>
-            <a:r>
-              <a:rPr lang="he-IL" dirty="0"/>
-              <a:t>כאשר דמות א' ודמות ב' נוגעות זו בזו בו-זמנית. המגע הפיזי יכול להיות בקונטקסט חיובי (חיבוק) או  בקונטקסט שלילי (האבקות).</a:t>
-            </a:r>
-          </a:p>
-          <a:p>
+              <a:t>מזו – </a:t>
+            </a:r>
+            <a:r>
+              <a:rPr lang="he-IL" b="1" dirty="0" smtClean="0"/>
+              <a:t>אין כלל סנכרון מגע.</a:t>
+            </a:r>
+          </a:p>
+          <a:p>
+            <a:pPr marL="0" indent="0">
+              <a:buNone/>
+            </a:pPr>
+            <a:r>
+              <a:rPr lang="he-IL" dirty="0" smtClean="0"/>
+              <a:t/>
+            </a:r>
+            <a:br>
+              <a:rPr lang="he-IL" dirty="0" smtClean="0"/>
+            </a:br>
             <a:endParaRPr lang="he-IL" dirty="0"/>
           </a:p>
         </p:txBody>
       </p:sp>
       <p:pic>
         <p:nvPicPr>
-          <p:cNvPr id="1027" name="Picture 3" descr="https://lh5.googleusercontent.com/2L3l_eFBv3zD5UYRvADPIRDxnH4zGZGbcrZ4Ve5BJivMDHE_-KMVcET2hET02BEXa7C5Df6NN79EyKRrYoNoIJevoIaFSEWRWgzhHMWWXBwxXihbNJe0YBEjGF3Efnjpk2E5IbYV"/>
+          <p:cNvPr id="6" name="Picture 5"/>
+          <p:cNvPicPr>
+            <a:picLocks noChangeAspect="1"/>
+          </p:cNvPicPr>
+          <p:nvPr/>
+        </p:nvPicPr>
+        <p:blipFill>
+          <a:blip r:embed="rId3"/>
+          <a:stretch>
+            <a:fillRect/>
+          </a:stretch>
+        </p:blipFill>
+        <p:spPr>
+          <a:xfrm>
+            <a:off x="1842888" y="1912660"/>
+            <a:ext cx="2379978" cy="3291843"/>
+          </a:xfrm>
+          <a:prstGeom prst="rect">
+            <a:avLst/>
+          </a:prstGeom>
+        </p:spPr>
+      </p:pic>
+      <p:pic>
+        <p:nvPicPr>
+          <p:cNvPr id="8" name="Picture 4" descr="Cobra Kai&amp;#39;: YouTube Red &amp;#39;Karate Kid&amp;#39; Sequel Outperforms Netflix Shows -  Variety"/>
+          <p:cNvPicPr>
+            <a:picLocks noChangeAspect="1" noChangeArrowheads="1"/>
+          </p:cNvPicPr>
+          <p:nvPr/>
+        </p:nvPicPr>
+        <p:blipFill>
+          <a:blip r:embed="rId4">
+            <a:extLst>
+              <a:ext uri="{28A0092B-C50C-407E-A947-70E740481C1C}">
+                <a14:useLocalDpi xmlns:a14="http://schemas.microsoft.com/office/drawing/2010/main" val="0"/>
+              </a:ext>
+            </a:extLst>
+          </a:blip>
+          <a:srcRect/>
+          <a:stretch>
+            <a:fillRect/>
+          </a:stretch>
+        </p:blipFill>
+        <p:spPr bwMode="auto">
+          <a:xfrm>
+            <a:off x="5106596" y="1912660"/>
+            <a:ext cx="5352894" cy="3291843"/>
+          </a:xfrm>
+          <a:prstGeom prst="rect">
+            <a:avLst/>
+          </a:prstGeom>
+          <a:noFill/>
+          <a:extLst>
+            <a:ext uri="{909E8E84-426E-40DD-AFC4-6F175D3DCCD1}">
+              <a14:hiddenFill xmlns:a14="http://schemas.microsoft.com/office/drawing/2010/main">
+                <a:solidFill>
+                  <a:srgbClr val="FFFFFF"/>
+                </a:solidFill>
+              </a14:hiddenFill>
+            </a:ext>
+          </a:extLst>
+        </p:spPr>
+      </p:pic>
+    </p:spTree>
+    <p:extLst>
+      <p:ext uri="{BB962C8B-B14F-4D97-AF65-F5344CB8AC3E}">
+        <p14:creationId xmlns:p14="http://schemas.microsoft.com/office/powerpoint/2010/main" val="4027908627"/>
+      </p:ext>
+    </p:extLst>
+  </p:cSld>
+  <p:clrMapOvr>
+    <a:masterClrMapping/>
+  </p:clrMapOvr>
+  <p:timing>
+    <p:tnLst>
+      <p:par>
+        <p:cTn id="1" dur="indefinite" restart="never" nodeType="tmRoot"/>
+      </p:par>
+    </p:tnLst>
+  </p:timing>
+</p:sld>
+</file>
+
+<file path=ppt/slides/slide4.xml><?xml version="1.0" encoding="utf-8"?>
+<p:sld xmlns:a="http://schemas.openxmlformats.org/drawingml/2006/main" xmlns:r="http://schemas.openxmlformats.org/officeDocument/2006/relationships" xmlns:p="http://schemas.openxmlformats.org/presentationml/2006/main">
+  <p:cSld>
+    <p:spTree>
+      <p:nvGrpSpPr>
+        <p:cNvPr id="1" name=""/>
+        <p:cNvGrpSpPr/>
+        <p:nvPr/>
+      </p:nvGrpSpPr>
+      <p:grpSpPr>
+        <a:xfrm>
+          <a:off x="0" y="0"/>
+          <a:ext cx="0" cy="0"/>
+          <a:chOff x="0" y="0"/>
+          <a:chExt cx="0" cy="0"/>
+        </a:xfrm>
+      </p:grpSpPr>
+      <p:sp>
+        <p:nvSpPr>
+          <p:cNvPr id="3" name="Content Placeholder 2"/>
+          <p:cNvSpPr>
+            <a:spLocks noGrp="1"/>
+          </p:cNvSpPr>
+          <p:nvPr>
+            <p:ph idx="1"/>
+          </p:nvPr>
+        </p:nvSpPr>
+        <p:spPr>
+          <a:xfrm>
+            <a:off x="509248" y="585613"/>
+            <a:ext cx="11147961" cy="4351338"/>
+          </a:xfrm>
+        </p:spPr>
+        <p:txBody>
+          <a:bodyPr/>
+          <a:lstStyle/>
+          <a:p>
+            <a:pPr marL="0" indent="0">
+              <a:buNone/>
+            </a:pPr>
+            <a:r>
+              <a:rPr lang="he-IL" dirty="0" smtClean="0"/>
+              <a:t>ישנם מצבי ביניים, בהם דמות אחת יוזמת קירבה ומגע באופן אקטיבי והדמות השניה אינה אקטיבית, אלא פאסיבית. לדוגמא, דמות </a:t>
+            </a:r>
+            <a:r>
+              <a:rPr lang="he-IL" dirty="0"/>
+              <a:t>א' נוגעת בדמות ב', אך דמות ב' אינה מנסה לגעת בדמות א'.</a:t>
+            </a:r>
+          </a:p>
+          <a:p>
+            <a:pPr marL="0" indent="0">
+              <a:buNone/>
+            </a:pPr>
+            <a:r>
+              <a:rPr lang="he-IL" dirty="0"/>
+              <a:t/>
+            </a:r>
+            <a:br>
+              <a:rPr lang="he-IL" dirty="0"/>
+            </a:br>
+            <a:endParaRPr lang="he-IL" dirty="0"/>
+          </a:p>
+        </p:txBody>
+      </p:sp>
+      <p:pic>
+        <p:nvPicPr>
+          <p:cNvPr id="4" name="Picture 8" descr="https://lh6.googleusercontent.com/iGwYaH65Uo3n4EbBqoadvqxVGsOUFpxgTvNau7ado8hgDIAMjEEha81jb_95d4H_knOPxpChXeRt6o34rDe_TeCyN6EHzUoyHBskLaux6K-fTKFbXbOWiXO2TkpIzIbbwyDyC_8n"/>
+          <p:cNvPicPr>
+            <a:picLocks noChangeAspect="1" noChangeArrowheads="1"/>
+          </p:cNvPicPr>
+          <p:nvPr/>
+        </p:nvPicPr>
+        <p:blipFill>
+          <a:blip r:embed="rId2">
+            <a:extLst>
+              <a:ext uri="{28A0092B-C50C-407E-A947-70E740481C1C}">
+                <a14:useLocalDpi xmlns:a14="http://schemas.microsoft.com/office/drawing/2010/main" val="0"/>
+              </a:ext>
+            </a:extLst>
+          </a:blip>
+          <a:srcRect/>
+          <a:stretch>
+            <a:fillRect/>
+          </a:stretch>
+        </p:blipFill>
+        <p:spPr bwMode="auto">
+          <a:xfrm>
+            <a:off x="8121179" y="2694146"/>
+            <a:ext cx="4060521" cy="2566999"/>
+          </a:xfrm>
+          <a:prstGeom prst="rect">
+            <a:avLst/>
+          </a:prstGeom>
+          <a:noFill/>
+          <a:extLst>
+            <a:ext uri="{909E8E84-426E-40DD-AFC4-6F175D3DCCD1}">
+              <a14:hiddenFill xmlns:a14="http://schemas.microsoft.com/office/drawing/2010/main">
+                <a:solidFill>
+                  <a:srgbClr val="FFFFFF"/>
+                </a:solidFill>
+              </a14:hiddenFill>
+            </a:ext>
+          </a:extLst>
+        </p:spPr>
+      </p:pic>
+      <p:pic>
+        <p:nvPicPr>
+          <p:cNvPr id="5" name="Picture 10" descr="https://lh6.googleusercontent.com/VyW3UfQZ4DqyiSKFxVbfNWXayJo-ymXx-oJ2tGea1tp_voVGzvVCt5yQYxFdDWnh-WJx7yqpSG2EAJL3UHOmknDiuKa5fhrEt4ItnuO79m1T3ZecgBIAR4J4uq0yT6PdhtuLASnV"/>
+          <p:cNvPicPr>
+            <a:picLocks noChangeAspect="1" noChangeArrowheads="1"/>
+          </p:cNvPicPr>
+          <p:nvPr/>
+        </p:nvPicPr>
+        <p:blipFill>
+          <a:blip r:embed="rId3">
+            <a:extLst>
+              <a:ext uri="{28A0092B-C50C-407E-A947-70E740481C1C}">
+                <a14:useLocalDpi xmlns:a14="http://schemas.microsoft.com/office/drawing/2010/main" val="0"/>
+              </a:ext>
+            </a:extLst>
+          </a:blip>
+          <a:srcRect/>
+          <a:stretch>
+            <a:fillRect/>
+          </a:stretch>
+        </p:blipFill>
+        <p:spPr bwMode="auto">
+          <a:xfrm>
+            <a:off x="4017757" y="2701636"/>
+            <a:ext cx="3931436" cy="2566999"/>
+          </a:xfrm>
+          <a:prstGeom prst="rect">
+            <a:avLst/>
+          </a:prstGeom>
+          <a:noFill/>
+          <a:extLst>
+            <a:ext uri="{909E8E84-426E-40DD-AFC4-6F175D3DCCD1}">
+              <a14:hiddenFill xmlns:a14="http://schemas.microsoft.com/office/drawing/2010/main">
+                <a:solidFill>
+                  <a:srgbClr val="FFFFFF"/>
+                </a:solidFill>
+              </a14:hiddenFill>
+            </a:ext>
+          </a:extLst>
+        </p:spPr>
+      </p:pic>
+      <p:pic>
+        <p:nvPicPr>
+          <p:cNvPr id="6" name="Picture 12" descr="https://lh5.googleusercontent.com/6Q-HxRIa-Gn_NGLD7D2v3KYowB69YkAvGJXvRD8MAJjTPsgDRm64F0xk54J5DwA-iUBoLgbukLWyIfoPrI8u7gkVEnyLTXKLk-7KDik1hzuDPUjdIkzf8BBfn2IQuM3kPVNyRyNV"/>
+          <p:cNvPicPr>
+            <a:picLocks noChangeAspect="1" noChangeArrowheads="1"/>
+          </p:cNvPicPr>
+          <p:nvPr/>
+        </p:nvPicPr>
+        <p:blipFill>
+          <a:blip r:embed="rId4">
+            <a:extLst>
+              <a:ext uri="{28A0092B-C50C-407E-A947-70E740481C1C}">
+                <a14:useLocalDpi xmlns:a14="http://schemas.microsoft.com/office/drawing/2010/main" val="0"/>
+              </a:ext>
+            </a:extLst>
+          </a:blip>
+          <a:srcRect/>
+          <a:stretch>
+            <a:fillRect/>
+          </a:stretch>
+        </p:blipFill>
+        <p:spPr bwMode="auto">
+          <a:xfrm>
+            <a:off x="167442" y="2694147"/>
+            <a:ext cx="3678329" cy="2566999"/>
+          </a:xfrm>
+          <a:prstGeom prst="rect">
+            <a:avLst/>
+          </a:prstGeom>
+          <a:noFill/>
+          <a:extLst>
+            <a:ext uri="{909E8E84-426E-40DD-AFC4-6F175D3DCCD1}">
+              <a14:hiddenFill xmlns:a14="http://schemas.microsoft.com/office/drawing/2010/main">
+                <a:solidFill>
+                  <a:srgbClr val="FFFFFF"/>
+                </a:solidFill>
+              </a14:hiddenFill>
+            </a:ext>
+          </a:extLst>
+        </p:spPr>
+      </p:pic>
+    </p:spTree>
+    <p:extLst>
+      <p:ext uri="{BB962C8B-B14F-4D97-AF65-F5344CB8AC3E}">
+        <p14:creationId xmlns:p14="http://schemas.microsoft.com/office/powerpoint/2010/main" val="3150151110"/>
+      </p:ext>
+    </p:extLst>
+  </p:cSld>
+  <p:clrMapOvr>
+    <a:masterClrMapping/>
+  </p:clrMapOvr>
+  <p:timing>
+    <p:tnLst>
+      <p:par>
+        <p:cTn id="1" dur="indefinite" restart="never" nodeType="tmRoot"/>
+      </p:par>
+    </p:tnLst>
+  </p:timing>
+</p:sld>
+</file>
+
+<file path=ppt/slides/slide5.xml><?xml version="1.0" encoding="utf-8"?>
+<p:sld xmlns:a="http://schemas.openxmlformats.org/drawingml/2006/main" xmlns:r="http://schemas.openxmlformats.org/officeDocument/2006/relationships" xmlns:p="http://schemas.openxmlformats.org/presentationml/2006/main">
+  <p:cSld>
+    <p:spTree>
+      <p:nvGrpSpPr>
+        <p:cNvPr id="1" name=""/>
+        <p:cNvGrpSpPr/>
+        <p:nvPr/>
+      </p:nvGrpSpPr>
+      <p:grpSpPr>
+        <a:xfrm>
+          <a:off x="0" y="0"/>
+          <a:ext cx="0" cy="0"/>
+          <a:chOff x="0" y="0"/>
+          <a:chExt cx="0" cy="0"/>
+        </a:xfrm>
+      </p:grpSpPr>
+      <p:sp>
+        <p:nvSpPr>
+          <p:cNvPr id="3" name="Content Placeholder 2"/>
+          <p:cNvSpPr>
+            <a:spLocks noGrp="1"/>
+          </p:cNvSpPr>
+          <p:nvPr>
+            <p:ph idx="1"/>
+          </p:nvPr>
+        </p:nvSpPr>
+        <p:spPr>
+          <a:xfrm>
+            <a:off x="799152" y="548639"/>
+            <a:ext cx="10558757" cy="5011766"/>
+          </a:xfrm>
+        </p:spPr>
+        <p:txBody>
+          <a:bodyPr/>
+          <a:lstStyle/>
+          <a:p>
+            <a:pPr marL="0" indent="0" algn="ctr">
+              <a:buNone/>
+            </a:pPr>
+            <a:r>
+              <a:rPr lang="he-IL" dirty="0" smtClean="0"/>
+              <a:t>לא תמיד יהיה מגע ישיר בין הדמויות, לעיתים הן רוכנות </a:t>
+            </a:r>
+            <a:r>
+              <a:rPr lang="he-IL" dirty="0"/>
+              <a:t>זו אל </a:t>
+            </a:r>
+            <a:r>
+              <a:rPr lang="he-IL" dirty="0" smtClean="0"/>
+              <a:t>זו או משנות את המרחק הפיזי בינהן</a:t>
+            </a:r>
+            <a:r>
+              <a:rPr lang="he-IL" dirty="0"/>
+              <a:t/>
+            </a:r>
+            <a:br>
+              <a:rPr lang="he-IL" dirty="0"/>
+            </a:br>
+            <a:endParaRPr lang="he-IL" dirty="0"/>
+          </a:p>
+        </p:txBody>
+      </p:sp>
+      <p:pic>
+        <p:nvPicPr>
+          <p:cNvPr id="6" name="Picture 2" descr="https://lh6.googleusercontent.com/7iYCVf_8WHoVZxPboT6cwITDV918OyrjIQSA2f67HcPeGAmAYDzuXbnJbI0bdRg6cnhFYMTBnNjpdrEG-yZ-flVcpkwCuFylobNXNo4yMMQG6dpGwRbhLBGBKGK8QgMfZmkyKCz1"/>
           <p:cNvPicPr>
             <a:picLocks noChangeAspect="1" noChangeArrowheads="1"/>
           </p:cNvPicPr>
@@ -3208,8 +3955,8 @@
         </p:blipFill>
         <p:spPr bwMode="auto">
           <a:xfrm>
-            <a:off x="695586" y="3329094"/>
-            <a:ext cx="2031990" cy="1577279"/>
+            <a:off x="6185797" y="2102673"/>
+            <a:ext cx="4670623" cy="3089910"/>
           </a:xfrm>
           <a:prstGeom prst="rect">
             <a:avLst/>
@@ -3228,7 +3975,7 @@
       </p:pic>
       <p:pic>
         <p:nvPicPr>
-          <p:cNvPr id="1028" name="Picture 4" descr="https://lh6.googleusercontent.com/nyljI2gFl2YOVmGwqJPS0X9b-l9_Au6mKRRObyncHajUo3FaIUZ-Vu6VB-Opap_HPGKySDpQ_YYFtJUSHjHEiSCR4sJoPzuwg9Kw2PpckrdBP4ljhU4thb4UiFd0kLwCHNFI_0ym"/>
+          <p:cNvPr id="7" name="Picture 4" descr="https://lh4.googleusercontent.com/tWdMynI8A5vIringaRSd9aGvAhwm4Mbyqu4DUYZRBD9zQVsIgckbIeYKJVlMUXkfStqL9dos03b24VRSArD60pbJRu9Ans53T9ZG1Z1zRM8K2AFpVTenLuPh-UviXE6Jh9odADPx"/>
           <p:cNvPicPr>
             <a:picLocks noChangeAspect="1" noChangeArrowheads="1"/>
           </p:cNvPicPr>
@@ -3249,598 +3996,8 @@
         </p:blipFill>
         <p:spPr bwMode="auto">
           <a:xfrm>
-            <a:off x="2959946" y="3317156"/>
-            <a:ext cx="2031990" cy="1577279"/>
-          </a:xfrm>
-          <a:prstGeom prst="rect">
-            <a:avLst/>
-          </a:prstGeom>
-          <a:noFill/>
-          <a:extLst>
-            <a:ext uri="{909E8E84-426E-40DD-AFC4-6F175D3DCCD1}">
-              <a14:hiddenFill xmlns:a14="http://schemas.microsoft.com/office/drawing/2010/main">
-                <a:solidFill>
-                  <a:srgbClr val="FFFFFF"/>
-                </a:solidFill>
-              </a14:hiddenFill>
-            </a:ext>
-          </a:extLst>
-        </p:spPr>
-      </p:pic>
-      <p:pic>
-        <p:nvPicPr>
-          <p:cNvPr id="1029" name="Picture 5" descr="https://lh3.googleusercontent.com/EDVKCFrqTIw-e9FUE_SZdt2AK37CuLd25QBiIfZQzKrRQ6Y6M_E9qzNTevVLZrPI2v-WzGkEEWpT67OuvIfi6ExxaxdiUS_-ODivaqpr6FBPEphtLO8i0uqTlOY3TFRscbhvtIOL"/>
-          <p:cNvPicPr>
-            <a:picLocks noChangeAspect="1" noChangeArrowheads="1"/>
-          </p:cNvPicPr>
-          <p:nvPr/>
-        </p:nvPicPr>
-        <p:blipFill>
-          <a:blip r:embed="rId4">
-            <a:extLst>
-              <a:ext uri="{28A0092B-C50C-407E-A947-70E740481C1C}">
-                <a14:useLocalDpi xmlns:a14="http://schemas.microsoft.com/office/drawing/2010/main" val="0"/>
-              </a:ext>
-            </a:extLst>
-          </a:blip>
-          <a:srcRect/>
-          <a:stretch>
-            <a:fillRect/>
-          </a:stretch>
-        </p:blipFill>
-        <p:spPr bwMode="auto">
-          <a:xfrm>
-            <a:off x="7658932" y="3346569"/>
-            <a:ext cx="2027955" cy="1577176"/>
-          </a:xfrm>
-          <a:prstGeom prst="rect">
-            <a:avLst/>
-          </a:prstGeom>
-          <a:noFill/>
-          <a:extLst>
-            <a:ext uri="{909E8E84-426E-40DD-AFC4-6F175D3DCCD1}">
-              <a14:hiddenFill xmlns:a14="http://schemas.microsoft.com/office/drawing/2010/main">
-                <a:solidFill>
-                  <a:srgbClr val="FFFFFF"/>
-                </a:solidFill>
-              </a14:hiddenFill>
-            </a:ext>
-          </a:extLst>
-        </p:spPr>
-      </p:pic>
-      <p:pic>
-        <p:nvPicPr>
-          <p:cNvPr id="1030" name="Picture 6" descr="https://lh5.googleusercontent.com/n9lfcFCYP1YzSqbi5ljJ4HRXWdZOCXZoEwYGDbo9akITFVl3sdcsWJAj2axZkLFqQhM27vVOsKyPQVBJw6wFTquEKvjZUdIziMWj5zj7C3vWPizOUO9lBB0ch73VgPtffDT8Jdfu"/>
-          <p:cNvPicPr>
-            <a:picLocks noChangeAspect="1" noChangeArrowheads="1"/>
-          </p:cNvPicPr>
-          <p:nvPr/>
-        </p:nvPicPr>
-        <p:blipFill>
-          <a:blip r:embed="rId5" cstate="print">
-            <a:extLst>
-              <a:ext uri="{28A0092B-C50C-407E-A947-70E740481C1C}">
-                <a14:useLocalDpi xmlns:a14="http://schemas.microsoft.com/office/drawing/2010/main" val="0"/>
-              </a:ext>
-            </a:extLst>
-          </a:blip>
-          <a:srcRect/>
-          <a:stretch>
-            <a:fillRect/>
-          </a:stretch>
-        </p:blipFill>
-        <p:spPr bwMode="auto">
-          <a:xfrm>
-            <a:off x="9880406" y="3326586"/>
-            <a:ext cx="1974916" cy="1617142"/>
-          </a:xfrm>
-          <a:prstGeom prst="rect">
-            <a:avLst/>
-          </a:prstGeom>
-          <a:noFill/>
-          <a:extLst>
-            <a:ext uri="{909E8E84-426E-40DD-AFC4-6F175D3DCCD1}">
-              <a14:hiddenFill xmlns:a14="http://schemas.microsoft.com/office/drawing/2010/main">
-                <a:solidFill>
-                  <a:srgbClr val="FFFFFF"/>
-                </a:solidFill>
-              </a14:hiddenFill>
-            </a:ext>
-          </a:extLst>
-        </p:spPr>
-      </p:pic>
-      <p:pic>
-        <p:nvPicPr>
-          <p:cNvPr id="1026" name="Picture 2" descr="https://lh5.googleusercontent.com/2AIcCiMlOKXjKSyfetfGd6h2D8iTGVAWPkaYaPg9Wf67BiVGGtIm6i2nVz6Q9Feb8kboivaZLa2MUqTqo6EO3KgSnR9VsKnBBK3WJ9GdHDgDwyxqYeLD0PtGfIolsWR5lIsdw6Am"/>
-          <p:cNvPicPr>
-            <a:picLocks noChangeAspect="1" noChangeArrowheads="1"/>
-          </p:cNvPicPr>
-          <p:nvPr/>
-        </p:nvPicPr>
-        <p:blipFill>
-          <a:blip r:embed="rId6">
-            <a:extLst>
-              <a:ext uri="{28A0092B-C50C-407E-A947-70E740481C1C}">
-                <a14:useLocalDpi xmlns:a14="http://schemas.microsoft.com/office/drawing/2010/main" val="0"/>
-              </a:ext>
-            </a:extLst>
-          </a:blip>
-          <a:srcRect/>
-          <a:stretch>
-            <a:fillRect/>
-          </a:stretch>
-        </p:blipFill>
-        <p:spPr bwMode="auto">
-          <a:xfrm>
-            <a:off x="5185454" y="3363940"/>
-            <a:ext cx="2257561" cy="1542433"/>
-          </a:xfrm>
-          <a:prstGeom prst="rect">
-            <a:avLst/>
-          </a:prstGeom>
-          <a:noFill/>
-          <a:extLst>
-            <a:ext uri="{909E8E84-426E-40DD-AFC4-6F175D3DCCD1}">
-              <a14:hiddenFill xmlns:a14="http://schemas.microsoft.com/office/drawing/2010/main">
-                <a:solidFill>
-                  <a:srgbClr val="FFFFFF"/>
-                </a:solidFill>
-              </a14:hiddenFill>
-            </a:ext>
-          </a:extLst>
-        </p:spPr>
-      </p:pic>
-      <p:pic>
-        <p:nvPicPr>
-          <p:cNvPr id="4" name="Picture 3"/>
-          <p:cNvPicPr>
-            <a:picLocks noChangeAspect="1"/>
-          </p:cNvPicPr>
-          <p:nvPr/>
-        </p:nvPicPr>
-        <p:blipFill>
-          <a:blip r:embed="rId7"/>
-          <a:stretch>
-            <a:fillRect/>
-          </a:stretch>
-        </p:blipFill>
-        <p:spPr>
-          <a:xfrm>
-            <a:off x="3400441" y="5065757"/>
-            <a:ext cx="5551970" cy="1667786"/>
-          </a:xfrm>
-          <a:prstGeom prst="rect">
-            <a:avLst/>
-          </a:prstGeom>
-        </p:spPr>
-      </p:pic>
-    </p:spTree>
-    <p:extLst>
-      <p:ext uri="{BB962C8B-B14F-4D97-AF65-F5344CB8AC3E}">
-        <p14:creationId xmlns:p14="http://schemas.microsoft.com/office/powerpoint/2010/main" val="986310165"/>
-      </p:ext>
-    </p:extLst>
-  </p:cSld>
-  <p:clrMapOvr>
-    <a:masterClrMapping/>
-  </p:clrMapOvr>
-</p:sld>
-</file>
-
-<file path=ppt/slides/slide3.xml><?xml version="1.0" encoding="utf-8"?>
-<p:sld xmlns:a="http://schemas.openxmlformats.org/drawingml/2006/main" xmlns:r="http://schemas.openxmlformats.org/officeDocument/2006/relationships" xmlns:p="http://schemas.openxmlformats.org/presentationml/2006/main">
-  <p:cSld>
-    <p:spTree>
-      <p:nvGrpSpPr>
-        <p:cNvPr id="1" name=""/>
-        <p:cNvGrpSpPr/>
-        <p:nvPr/>
-      </p:nvGrpSpPr>
-      <p:grpSpPr>
-        <a:xfrm>
-          <a:off x="0" y="0"/>
-          <a:ext cx="0" cy="0"/>
-          <a:chOff x="0" y="0"/>
-          <a:chExt cx="0" cy="0"/>
-        </a:xfrm>
-      </p:grpSpPr>
-      <p:sp>
-        <p:nvSpPr>
-          <p:cNvPr id="2" name="Title 1"/>
-          <p:cNvSpPr>
-            <a:spLocks noGrp="1"/>
-          </p:cNvSpPr>
-          <p:nvPr>
-            <p:ph type="title"/>
-          </p:nvPr>
-        </p:nvSpPr>
-        <p:spPr/>
-        <p:txBody>
-          <a:bodyPr/>
-          <a:lstStyle/>
-          <a:p>
-            <a:endParaRPr lang="he-IL"/>
-          </a:p>
-        </p:txBody>
-      </p:sp>
-      <p:sp>
-        <p:nvSpPr>
-          <p:cNvPr id="3" name="Content Placeholder 2"/>
-          <p:cNvSpPr>
-            <a:spLocks noGrp="1"/>
-          </p:cNvSpPr>
-          <p:nvPr>
-            <p:ph idx="1"/>
-          </p:nvPr>
-        </p:nvSpPr>
-        <p:spPr>
-          <a:xfrm>
-            <a:off x="759823" y="1930127"/>
-            <a:ext cx="10515600" cy="4351338"/>
-          </a:xfrm>
-        </p:spPr>
-        <p:txBody>
-          <a:bodyPr/>
-          <a:lstStyle/>
-          <a:p>
-            <a:pPr marL="0" indent="0">
-              <a:buNone/>
-            </a:pPr>
-            <a:r>
-              <a:rPr lang="he-IL" dirty="0" smtClean="0"/>
-              <a:t>לאחר מכן, רמה </a:t>
-            </a:r>
-            <a:r>
-              <a:rPr lang="he-IL" dirty="0" smtClean="0">
-                <a:solidFill>
-                  <a:srgbClr val="FFFF00"/>
-                </a:solidFill>
-              </a:rPr>
-              <a:t>בינונית</a:t>
-            </a:r>
-            <a:r>
-              <a:rPr lang="he-IL" dirty="0" smtClean="0"/>
-              <a:t> </a:t>
-            </a:r>
-            <a:r>
-              <a:rPr lang="he-IL" dirty="0"/>
-              <a:t>של </a:t>
-            </a:r>
-            <a:r>
-              <a:rPr lang="he-IL" dirty="0" smtClean="0"/>
-              <a:t> מגע\קרבה </a:t>
-            </a:r>
-            <a:r>
-              <a:rPr lang="he-IL" dirty="0"/>
-              <a:t>היא כאשר דמות א' נוגעת בדמות ב', אך דמות ב' אינה מנסה לגעת בדמות א'.</a:t>
-            </a:r>
-          </a:p>
-        </p:txBody>
-      </p:sp>
-      <p:pic>
-        <p:nvPicPr>
-          <p:cNvPr id="1032" name="Picture 8" descr="https://lh6.googleusercontent.com/iGwYaH65Uo3n4EbBqoadvqxVGsOUFpxgTvNau7ado8hgDIAMjEEha81jb_95d4H_knOPxpChXeRt6o34rDe_TeCyN6EHzUoyHBskLaux6K-fTKFbXbOWiXO2TkpIzIbbwyDyC_8n"/>
-          <p:cNvPicPr>
-            <a:picLocks noChangeAspect="1" noChangeArrowheads="1"/>
-          </p:cNvPicPr>
-          <p:nvPr/>
-        </p:nvPicPr>
-        <p:blipFill>
-          <a:blip r:embed="rId2">
-            <a:extLst>
-              <a:ext uri="{28A0092B-C50C-407E-A947-70E740481C1C}">
-                <a14:useLocalDpi xmlns:a14="http://schemas.microsoft.com/office/drawing/2010/main" val="0"/>
-              </a:ext>
-            </a:extLst>
-          </a:blip>
-          <a:srcRect/>
-          <a:stretch>
-            <a:fillRect/>
-          </a:stretch>
-        </p:blipFill>
-        <p:spPr bwMode="auto">
-          <a:xfrm>
-            <a:off x="8316686" y="3528921"/>
-            <a:ext cx="2751908" cy="1739714"/>
-          </a:xfrm>
-          <a:prstGeom prst="rect">
-            <a:avLst/>
-          </a:prstGeom>
-          <a:noFill/>
-          <a:extLst>
-            <a:ext uri="{909E8E84-426E-40DD-AFC4-6F175D3DCCD1}">
-              <a14:hiddenFill xmlns:a14="http://schemas.microsoft.com/office/drawing/2010/main">
-                <a:solidFill>
-                  <a:srgbClr val="FFFFFF"/>
-                </a:solidFill>
-              </a14:hiddenFill>
-            </a:ext>
-          </a:extLst>
-        </p:spPr>
-      </p:pic>
-      <p:pic>
-        <p:nvPicPr>
-          <p:cNvPr id="1034" name="Picture 10" descr="https://lh6.googleusercontent.com/VyW3UfQZ4DqyiSKFxVbfNWXayJo-ymXx-oJ2tGea1tp_voVGzvVCt5yQYxFdDWnh-WJx7yqpSG2EAJL3UHOmknDiuKa5fhrEt4ItnuO79m1T3ZecgBIAR4J4uq0yT6PdhtuLASnV"/>
-          <p:cNvPicPr>
-            <a:picLocks noChangeAspect="1" noChangeArrowheads="1"/>
-          </p:cNvPicPr>
-          <p:nvPr/>
-        </p:nvPicPr>
-        <p:blipFill>
-          <a:blip r:embed="rId3">
-            <a:extLst>
-              <a:ext uri="{28A0092B-C50C-407E-A947-70E740481C1C}">
-                <a14:useLocalDpi xmlns:a14="http://schemas.microsoft.com/office/drawing/2010/main" val="0"/>
-              </a:ext>
-            </a:extLst>
-          </a:blip>
-          <a:srcRect/>
-          <a:stretch>
-            <a:fillRect/>
-          </a:stretch>
-        </p:blipFill>
-        <p:spPr bwMode="auto">
-          <a:xfrm>
-            <a:off x="5077369" y="3528921"/>
-            <a:ext cx="2664424" cy="1739714"/>
-          </a:xfrm>
-          <a:prstGeom prst="rect">
-            <a:avLst/>
-          </a:prstGeom>
-          <a:noFill/>
-          <a:extLst>
-            <a:ext uri="{909E8E84-426E-40DD-AFC4-6F175D3DCCD1}">
-              <a14:hiddenFill xmlns:a14="http://schemas.microsoft.com/office/drawing/2010/main">
-                <a:solidFill>
-                  <a:srgbClr val="FFFFFF"/>
-                </a:solidFill>
-              </a14:hiddenFill>
-            </a:ext>
-          </a:extLst>
-        </p:spPr>
-      </p:pic>
-      <p:pic>
-        <p:nvPicPr>
-          <p:cNvPr id="1036" name="Picture 12" descr="https://lh5.googleusercontent.com/6Q-HxRIa-Gn_NGLD7D2v3KYowB69YkAvGJXvRD8MAJjTPsgDRm64F0xk54J5DwA-iUBoLgbukLWyIfoPrI8u7gkVEnyLTXKLk-7KDik1hzuDPUjdIkzf8BBfn2IQuM3kPVNyRyNV"/>
-          <p:cNvPicPr>
-            <a:picLocks noChangeAspect="1" noChangeArrowheads="1"/>
-          </p:cNvPicPr>
-          <p:nvPr/>
-        </p:nvPicPr>
-        <p:blipFill>
-          <a:blip r:embed="rId4">
-            <a:extLst>
-              <a:ext uri="{28A0092B-C50C-407E-A947-70E740481C1C}">
-                <a14:useLocalDpi xmlns:a14="http://schemas.microsoft.com/office/drawing/2010/main" val="0"/>
-              </a:ext>
-            </a:extLst>
-          </a:blip>
-          <a:srcRect/>
-          <a:stretch>
-            <a:fillRect/>
-          </a:stretch>
-        </p:blipFill>
-        <p:spPr bwMode="auto">
-          <a:xfrm>
-            <a:off x="2009588" y="3528921"/>
-            <a:ext cx="2492888" cy="1739714"/>
-          </a:xfrm>
-          <a:prstGeom prst="rect">
-            <a:avLst/>
-          </a:prstGeom>
-          <a:noFill/>
-          <a:extLst>
-            <a:ext uri="{909E8E84-426E-40DD-AFC4-6F175D3DCCD1}">
-              <a14:hiddenFill xmlns:a14="http://schemas.microsoft.com/office/drawing/2010/main">
-                <a:solidFill>
-                  <a:srgbClr val="FFFFFF"/>
-                </a:solidFill>
-              </a14:hiddenFill>
-            </a:ext>
-          </a:extLst>
-        </p:spPr>
-      </p:pic>
-      <p:pic>
-        <p:nvPicPr>
-          <p:cNvPr id="13" name="Picture 12"/>
-          <p:cNvPicPr>
-            <a:picLocks noChangeAspect="1"/>
-          </p:cNvPicPr>
-          <p:nvPr/>
-        </p:nvPicPr>
-        <p:blipFill>
-          <a:blip r:embed="rId5"/>
-          <a:stretch>
-            <a:fillRect/>
-          </a:stretch>
-        </p:blipFill>
-        <p:spPr>
-          <a:xfrm rot="10800000">
-            <a:off x="2964019" y="5361461"/>
-            <a:ext cx="5738357" cy="1333616"/>
-          </a:xfrm>
-          <a:prstGeom prst="rect">
-            <a:avLst/>
-          </a:prstGeom>
-        </p:spPr>
-      </p:pic>
-    </p:spTree>
-    <p:extLst>
-      <p:ext uri="{BB962C8B-B14F-4D97-AF65-F5344CB8AC3E}">
-        <p14:creationId xmlns:p14="http://schemas.microsoft.com/office/powerpoint/2010/main" val="738651925"/>
-      </p:ext>
-    </p:extLst>
-  </p:cSld>
-  <p:clrMapOvr>
-    <a:masterClrMapping/>
-  </p:clrMapOvr>
-</p:sld>
-</file>
-
-<file path=ppt/slides/slide4.xml><?xml version="1.0" encoding="utf-8"?>
-<p:sld xmlns:a="http://schemas.openxmlformats.org/drawingml/2006/main" xmlns:r="http://schemas.openxmlformats.org/officeDocument/2006/relationships" xmlns:p="http://schemas.openxmlformats.org/presentationml/2006/main">
-  <p:cSld>
-    <p:spTree>
-      <p:nvGrpSpPr>
-        <p:cNvPr id="1" name=""/>
-        <p:cNvGrpSpPr/>
-        <p:nvPr/>
-      </p:nvGrpSpPr>
-      <p:grpSpPr>
-        <a:xfrm>
-          <a:off x="0" y="0"/>
-          <a:ext cx="0" cy="0"/>
-          <a:chOff x="0" y="0"/>
-          <a:chExt cx="0" cy="0"/>
-        </a:xfrm>
-      </p:grpSpPr>
-      <p:sp>
-        <p:nvSpPr>
-          <p:cNvPr id="2" name="Title 1"/>
-          <p:cNvSpPr>
-            <a:spLocks noGrp="1"/>
-          </p:cNvSpPr>
-          <p:nvPr>
-            <p:ph type="title"/>
-          </p:nvPr>
-        </p:nvSpPr>
-        <p:spPr/>
-        <p:txBody>
-          <a:bodyPr/>
-          <a:lstStyle/>
-          <a:p>
-            <a:endParaRPr lang="he-IL"/>
-          </a:p>
-        </p:txBody>
-      </p:sp>
-      <p:sp>
-        <p:nvSpPr>
-          <p:cNvPr id="3" name="Content Placeholder 2"/>
-          <p:cNvSpPr>
-            <a:spLocks noGrp="1"/>
-          </p:cNvSpPr>
-          <p:nvPr>
-            <p:ph idx="1"/>
-          </p:nvPr>
-        </p:nvSpPr>
-        <p:spPr>
-          <a:xfrm>
-            <a:off x="759823" y="1930127"/>
-            <a:ext cx="10515600" cy="4351338"/>
-          </a:xfrm>
-        </p:spPr>
-        <p:txBody>
-          <a:bodyPr/>
-          <a:lstStyle/>
-          <a:p>
-            <a:pPr marL="0" indent="0">
-              <a:buNone/>
-            </a:pPr>
-            <a:r>
-              <a:rPr lang="he-IL" dirty="0"/>
-              <a:t>כאשר שתי הדמויות רוכנות זו אל זו אך אין מגע ישיר, רמת סנכרון המגע </a:t>
-            </a:r>
-            <a:r>
-              <a:rPr lang="he-IL" dirty="0">
-                <a:solidFill>
-                  <a:srgbClr val="FFC000"/>
-                </a:solidFill>
-              </a:rPr>
-              <a:t>נמוכה</a:t>
-            </a:r>
-          </a:p>
-        </p:txBody>
-      </p:sp>
-      <p:pic>
-        <p:nvPicPr>
-          <p:cNvPr id="7" name="Picture 6"/>
-          <p:cNvPicPr>
-            <a:picLocks noChangeAspect="1"/>
-          </p:cNvPicPr>
-          <p:nvPr/>
-        </p:nvPicPr>
-        <p:blipFill>
-          <a:blip r:embed="rId2"/>
-          <a:stretch>
-            <a:fillRect/>
-          </a:stretch>
-        </p:blipFill>
-        <p:spPr>
-          <a:xfrm>
-            <a:off x="3226821" y="5187288"/>
-            <a:ext cx="5738357" cy="1333616"/>
-          </a:xfrm>
-          <a:prstGeom prst="rect">
-            <a:avLst/>
-          </a:prstGeom>
-        </p:spPr>
-      </p:pic>
-      <p:pic>
-        <p:nvPicPr>
-          <p:cNvPr id="3074" name="Picture 2" descr="https://lh6.googleusercontent.com/7iYCVf_8WHoVZxPboT6cwITDV918OyrjIQSA2f67HcPeGAmAYDzuXbnJbI0bdRg6cnhFYMTBnNjpdrEG-yZ-flVcpkwCuFylobNXNo4yMMQG6dpGwRbhLBGBKGK8QgMfZmkyKCz1"/>
-          <p:cNvPicPr>
-            <a:picLocks noChangeAspect="1" noChangeArrowheads="1"/>
-          </p:cNvPicPr>
-          <p:nvPr/>
-        </p:nvPicPr>
-        <p:blipFill>
-          <a:blip r:embed="rId3" cstate="print">
-            <a:extLst>
-              <a:ext uri="{28A0092B-C50C-407E-A947-70E740481C1C}">
-                <a14:useLocalDpi xmlns:a14="http://schemas.microsoft.com/office/drawing/2010/main" val="0"/>
-              </a:ext>
-            </a:extLst>
-          </a:blip>
-          <a:srcRect/>
-          <a:stretch>
-            <a:fillRect/>
-          </a:stretch>
-        </p:blipFill>
-        <p:spPr bwMode="auto">
-          <a:xfrm>
-            <a:off x="6409509" y="3149909"/>
-            <a:ext cx="2355371" cy="1770589"/>
-          </a:xfrm>
-          <a:prstGeom prst="rect">
-            <a:avLst/>
-          </a:prstGeom>
-          <a:noFill/>
-          <a:extLst>
-            <a:ext uri="{909E8E84-426E-40DD-AFC4-6F175D3DCCD1}">
-              <a14:hiddenFill xmlns:a14="http://schemas.microsoft.com/office/drawing/2010/main">
-                <a:solidFill>
-                  <a:srgbClr val="FFFFFF"/>
-                </a:solidFill>
-              </a14:hiddenFill>
-            </a:ext>
-          </a:extLst>
-        </p:spPr>
-      </p:pic>
-      <p:pic>
-        <p:nvPicPr>
-          <p:cNvPr id="3076" name="Picture 4" descr="https://lh4.googleusercontent.com/tWdMynI8A5vIringaRSd9aGvAhwm4Mbyqu4DUYZRBD9zQVsIgckbIeYKJVlMUXkfStqL9dos03b24VRSArD60pbJRu9Ans53T9ZG1Z1zRM8K2AFpVTenLuPh-UviXE6Jh9odADPx"/>
-          <p:cNvPicPr>
-            <a:picLocks noChangeAspect="1" noChangeArrowheads="1"/>
-          </p:cNvPicPr>
-          <p:nvPr/>
-        </p:nvPicPr>
-        <p:blipFill>
-          <a:blip r:embed="rId4">
-            <a:extLst>
-              <a:ext uri="{28A0092B-C50C-407E-A947-70E740481C1C}">
-                <a14:useLocalDpi xmlns:a14="http://schemas.microsoft.com/office/drawing/2010/main" val="0"/>
-              </a:ext>
-            </a:extLst>
-          </a:blip>
-          <a:srcRect/>
-          <a:stretch>
-            <a:fillRect/>
-          </a:stretch>
-        </p:blipFill>
-        <p:spPr bwMode="auto">
-          <a:xfrm>
-            <a:off x="2046060" y="3149909"/>
-            <a:ext cx="3546395" cy="1797940"/>
+            <a:off x="691086" y="2102673"/>
+            <a:ext cx="4670623" cy="3089910"/>
           </a:xfrm>
           <a:prstGeom prst="rect">
             <a:avLst/>
@@ -3860,202 +4017,20 @@
     </p:spTree>
     <p:extLst>
       <p:ext uri="{BB962C8B-B14F-4D97-AF65-F5344CB8AC3E}">
-        <p14:creationId xmlns:p14="http://schemas.microsoft.com/office/powerpoint/2010/main" val="4192110199"/>
+        <p14:creationId xmlns:p14="http://schemas.microsoft.com/office/powerpoint/2010/main" val="1580543854"/>
       </p:ext>
     </p:extLst>
   </p:cSld>
   <p:clrMapOvr>
     <a:masterClrMapping/>
   </p:clrMapOvr>
-</p:sld>
-</file>
-
-<file path=ppt/slides/slide5.xml><?xml version="1.0" encoding="utf-8"?>
-<p:sld xmlns:a="http://schemas.openxmlformats.org/drawingml/2006/main" xmlns:r="http://schemas.openxmlformats.org/officeDocument/2006/relationships" xmlns:p="http://schemas.openxmlformats.org/presentationml/2006/main">
-  <p:cSld>
-    <p:spTree>
-      <p:nvGrpSpPr>
-        <p:cNvPr id="1" name=""/>
-        <p:cNvGrpSpPr/>
-        <p:nvPr/>
-      </p:nvGrpSpPr>
-      <p:grpSpPr>
-        <a:xfrm>
-          <a:off x="0" y="0"/>
-          <a:ext cx="0" cy="0"/>
-          <a:chOff x="0" y="0"/>
-          <a:chExt cx="0" cy="0"/>
-        </a:xfrm>
-      </p:grpSpPr>
-      <p:sp>
-        <p:nvSpPr>
-          <p:cNvPr id="2" name="Title 1"/>
-          <p:cNvSpPr>
-            <a:spLocks noGrp="1"/>
-          </p:cNvSpPr>
-          <p:nvPr>
-            <p:ph type="title"/>
-          </p:nvPr>
-        </p:nvSpPr>
-        <p:spPr/>
-        <p:txBody>
-          <a:bodyPr/>
-          <a:lstStyle/>
-          <a:p>
-            <a:endParaRPr lang="he-IL"/>
-          </a:p>
-        </p:txBody>
-      </p:sp>
-      <p:sp>
-        <p:nvSpPr>
-          <p:cNvPr id="3" name="Content Placeholder 2"/>
-          <p:cNvSpPr>
-            <a:spLocks noGrp="1"/>
-          </p:cNvSpPr>
-          <p:nvPr>
-            <p:ph idx="1"/>
-          </p:nvPr>
-        </p:nvSpPr>
-        <p:spPr>
-          <a:xfrm>
-            <a:off x="838200" y="1899234"/>
-            <a:ext cx="10515600" cy="4351338"/>
-          </a:xfrm>
-        </p:spPr>
-        <p:txBody>
-          <a:bodyPr/>
-          <a:lstStyle/>
-          <a:p>
-            <a:pPr marL="0" indent="0">
-              <a:buNone/>
-            </a:pPr>
-            <a:r>
-              <a:rPr lang="he-IL" dirty="0"/>
-              <a:t>כאשר על המסך מופיעה דמות אחת בלבד או כאשר הדמויות אינן נוגעות זו בזו</a:t>
-            </a:r>
-            <a:r>
-              <a:rPr lang="he-IL" dirty="0" smtClean="0"/>
-              <a:t>, ורחוקות זו מזו, רמת המגע\קרבה </a:t>
-            </a:r>
-            <a:r>
-              <a:rPr lang="he-IL" dirty="0" smtClean="0"/>
-              <a:t>אפסית – </a:t>
-            </a:r>
-            <a:r>
-              <a:rPr lang="he-IL" dirty="0" smtClean="0">
-                <a:solidFill>
-                  <a:srgbClr val="FF0000"/>
-                </a:solidFill>
-              </a:rPr>
-              <a:t>אין כלל סנכרון מגע</a:t>
-            </a:r>
-            <a:r>
-              <a:rPr lang="he-IL" dirty="0" smtClean="0"/>
-              <a:t>.</a:t>
-            </a:r>
-            <a:endParaRPr lang="he-IL" dirty="0"/>
-          </a:p>
-        </p:txBody>
-      </p:sp>
-      <p:pic>
-        <p:nvPicPr>
-          <p:cNvPr id="4" name="Picture 3"/>
-          <p:cNvPicPr>
-            <a:picLocks noChangeAspect="1"/>
-          </p:cNvPicPr>
-          <p:nvPr/>
-        </p:nvPicPr>
-        <p:blipFill>
-          <a:blip r:embed="rId2"/>
-          <a:stretch>
-            <a:fillRect/>
-          </a:stretch>
-        </p:blipFill>
-        <p:spPr>
-          <a:xfrm>
-            <a:off x="2867042" y="5294210"/>
-            <a:ext cx="5883150" cy="1303133"/>
-          </a:xfrm>
-          <a:prstGeom prst="rect">
-            <a:avLst/>
-          </a:prstGeom>
-        </p:spPr>
-      </p:pic>
-      <p:pic>
-        <p:nvPicPr>
-          <p:cNvPr id="5" name="Picture 4"/>
-          <p:cNvPicPr>
-            <a:picLocks noChangeAspect="1"/>
-          </p:cNvPicPr>
-          <p:nvPr/>
-        </p:nvPicPr>
-        <p:blipFill>
-          <a:blip r:embed="rId3"/>
-          <a:stretch>
-            <a:fillRect/>
-          </a:stretch>
-        </p:blipFill>
-        <p:spPr>
-          <a:xfrm>
-            <a:off x="2336677" y="2978330"/>
-            <a:ext cx="1879134" cy="2543311"/>
-          </a:xfrm>
-          <a:prstGeom prst="rect">
-            <a:avLst/>
-          </a:prstGeom>
-        </p:spPr>
-      </p:pic>
-      <p:pic>
-        <p:nvPicPr>
-          <p:cNvPr id="1028" name="Picture 4" descr="Cobra Kai&amp;#39;: YouTube Red &amp;#39;Karate Kid&amp;#39; Sequel Outperforms Netflix Shows -  Variety"/>
-          <p:cNvPicPr>
-            <a:picLocks noChangeAspect="1" noChangeArrowheads="1"/>
-          </p:cNvPicPr>
-          <p:nvPr/>
-        </p:nvPicPr>
-        <p:blipFill>
-          <a:blip r:embed="rId4">
-            <a:extLst>
-              <a:ext uri="{28A0092B-C50C-407E-A947-70E740481C1C}">
-                <a14:useLocalDpi xmlns:a14="http://schemas.microsoft.com/office/drawing/2010/main" val="0"/>
-              </a:ext>
-            </a:extLst>
-          </a:blip>
-          <a:srcRect/>
-          <a:stretch>
-            <a:fillRect/>
-          </a:stretch>
-        </p:blipFill>
-        <p:spPr bwMode="auto">
-          <a:xfrm>
-            <a:off x="5780682" y="3056710"/>
-            <a:ext cx="4008247" cy="2464932"/>
-          </a:xfrm>
-          <a:prstGeom prst="rect">
-            <a:avLst/>
-          </a:prstGeom>
-          <a:noFill/>
-          <a:extLst>
-            <a:ext uri="{909E8E84-426E-40DD-AFC4-6F175D3DCCD1}">
-              <a14:hiddenFill xmlns:a14="http://schemas.microsoft.com/office/drawing/2010/main">
-                <a:solidFill>
-                  <a:srgbClr val="FFFFFF"/>
-                </a:solidFill>
-              </a14:hiddenFill>
-            </a:ext>
-          </a:extLst>
-        </p:spPr>
-      </p:pic>
-    </p:spTree>
-    <p:extLst>
-      <p:ext uri="{BB962C8B-B14F-4D97-AF65-F5344CB8AC3E}">
-        <p14:creationId xmlns:p14="http://schemas.microsoft.com/office/powerpoint/2010/main" val="2063864361"/>
-      </p:ext>
-    </p:extLst>
-  </p:cSld>
-  <p:clrMapOvr>
-    <a:masterClrMapping/>
-  </p:clrMapOvr>
+  <p:timing>
+    <p:tnLst>
+      <p:par>
+        <p:cTn id="1" dur="indefinite" restart="never" nodeType="tmRoot"/>
+      </p:par>
+    </p:tnLst>
+  </p:timing>
 </p:sld>
 </file>
 
@@ -4088,69 +4063,15 @@
         </p:nvSpPr>
         <p:spPr>
           <a:xfrm>
-            <a:off x="742406" y="1118035"/>
+            <a:off x="725780" y="694086"/>
             <a:ext cx="10515600" cy="4486275"/>
           </a:xfrm>
         </p:spPr>
         <p:txBody>
           <a:bodyPr>
-            <a:normAutofit fontScale="92500" lnSpcReduction="20000"/>
+            <a:normAutofit/>
           </a:bodyPr>
           <a:lstStyle/>
-          <a:p>
-            <a:pPr marL="0" indent="0">
-              <a:buNone/>
-            </a:pPr>
-            <a:r>
-              <a:rPr lang="he-IL" dirty="0" smtClean="0"/>
-              <a:t>הצגנו לכם דוגמאות של ארבע רמות של סינכרון </a:t>
-            </a:r>
-            <a:r>
-              <a:rPr lang="he-IL" dirty="0" smtClean="0"/>
-              <a:t>מגע. </a:t>
-            </a:r>
-            <a:endParaRPr lang="he-IL" dirty="0" smtClean="0"/>
-          </a:p>
-          <a:p>
-            <a:r>
-              <a:rPr lang="he-IL" b="1" dirty="0" smtClean="0">
-                <a:solidFill>
-                  <a:srgbClr val="92D050"/>
-                </a:solidFill>
-              </a:rPr>
-              <a:t>גבוהה</a:t>
-            </a:r>
-          </a:p>
-          <a:p>
-            <a:r>
-              <a:rPr lang="he-IL" b="1" dirty="0" smtClean="0">
-                <a:solidFill>
-                  <a:srgbClr val="FFFF00"/>
-                </a:solidFill>
-              </a:rPr>
-              <a:t>בינונית </a:t>
-            </a:r>
-          </a:p>
-          <a:p>
-            <a:r>
-              <a:rPr lang="he-IL" b="1" dirty="0" smtClean="0">
-                <a:solidFill>
-                  <a:srgbClr val="FFC000"/>
-                </a:solidFill>
-              </a:rPr>
-              <a:t>נמוכה</a:t>
-            </a:r>
-          </a:p>
-          <a:p>
-            <a:r>
-              <a:rPr lang="he-IL" b="1" dirty="0" smtClean="0">
-                <a:solidFill>
-                  <a:srgbClr val="FF0000"/>
-                </a:solidFill>
-              </a:rPr>
-              <a:t>אין סנכרון כלל</a:t>
-            </a:r>
-          </a:p>
           <a:p>
             <a:pPr marL="0" indent="0">
               <a:buNone/>
@@ -4163,15 +4084,7 @@
             </a:pPr>
             <a:r>
               <a:rPr lang="he-IL" dirty="0" smtClean="0"/>
-              <a:t>אולם בתוך כל רמה ישנן ווריאציות. ולכן אנו נותנים לכם לדרג עם הסליידר באופן חופשי – סביב הרמה של סינכרון </a:t>
-            </a:r>
-            <a:r>
-              <a:rPr lang="he-IL" dirty="0" smtClean="0"/>
-              <a:t>המגע </a:t>
-            </a:r>
-            <a:r>
-              <a:rPr lang="he-IL" dirty="0" smtClean="0"/>
-              <a:t>אותה אתם מאבחנים בכל רגע נתון.</a:t>
+              <a:t>נבקש מכם לדרג עם הסליידר באופן חופשי את הרמה של סינכרון הקירבה הפיזית בין הדמויות בסרט כפי שאתם מבינים וחווים בכל רגע נתון.</a:t>
             </a:r>
           </a:p>
           <a:p>
@@ -4186,131 +4099,54 @@
             </a:pPr>
             <a:r>
               <a:rPr lang="he-IL" dirty="0" smtClean="0"/>
-              <a:t>במקרה שעל המסך יש יותר משתי דמויות, דרגו את רמת סינכרון </a:t>
+              <a:t>במקרים בהם על </a:t>
             </a:r>
             <a:r>
               <a:rPr lang="he-IL" dirty="0" smtClean="0"/>
-              <a:t>המגע </a:t>
+              <a:t>המסך יש יותר משתי </a:t>
             </a:r>
             <a:r>
               <a:rPr lang="he-IL" dirty="0" smtClean="0"/>
-              <a:t>הכוללת לדעתכם בסיטואציה המוצגת. במקרים בהם לא מוצגות דמויות על המסך, הזיזו את הסליידר לקצה השמאלי (ללא סינכרון כלל).</a:t>
+              <a:t>דמויות או דמות אחת בלבד, </a:t>
+            </a:r>
+            <a:r>
+              <a:rPr lang="he-IL" dirty="0" smtClean="0"/>
+              <a:t>דרגו </a:t>
+            </a:r>
+            <a:r>
+              <a:rPr lang="he-IL" dirty="0"/>
+              <a:t>לפי מיטב </a:t>
+            </a:r>
+            <a:r>
+              <a:rPr lang="he-IL" dirty="0" smtClean="0"/>
+              <a:t>הבנתכם.</a:t>
             </a:r>
             <a:endParaRPr lang="he-IL" dirty="0"/>
           </a:p>
         </p:txBody>
       </p:sp>
-      <p:pic>
-        <p:nvPicPr>
-          <p:cNvPr id="4" name="Picture 3"/>
-          <p:cNvPicPr>
-            <a:picLocks noChangeAspect="1"/>
-          </p:cNvPicPr>
-          <p:nvPr/>
-        </p:nvPicPr>
-        <p:blipFill>
-          <a:blip r:embed="rId2"/>
-          <a:stretch>
-            <a:fillRect/>
-          </a:stretch>
-        </p:blipFill>
-        <p:spPr>
-          <a:xfrm>
-            <a:off x="6424927" y="1491308"/>
-            <a:ext cx="2222685" cy="667684"/>
-          </a:xfrm>
-          <a:prstGeom prst="rect">
-            <a:avLst/>
-          </a:prstGeom>
-        </p:spPr>
-      </p:pic>
-      <p:pic>
-        <p:nvPicPr>
-          <p:cNvPr id="5" name="Picture 4"/>
-          <p:cNvPicPr>
-            <a:picLocks noChangeAspect="1"/>
-          </p:cNvPicPr>
-          <p:nvPr/>
-        </p:nvPicPr>
-        <p:blipFill>
-          <a:blip r:embed="rId3"/>
-          <a:stretch>
-            <a:fillRect/>
-          </a:stretch>
-        </p:blipFill>
-        <p:spPr>
-          <a:xfrm>
-            <a:off x="6503303" y="2796519"/>
-            <a:ext cx="2170435" cy="497816"/>
-          </a:xfrm>
-          <a:prstGeom prst="rect">
-            <a:avLst/>
-          </a:prstGeom>
-        </p:spPr>
-      </p:pic>
-      <p:pic>
-        <p:nvPicPr>
-          <p:cNvPr id="6" name="Picture 5"/>
-          <p:cNvPicPr>
-            <a:picLocks noChangeAspect="1"/>
-          </p:cNvPicPr>
-          <p:nvPr/>
-        </p:nvPicPr>
-        <p:blipFill>
-          <a:blip r:embed="rId4"/>
-          <a:stretch>
-            <a:fillRect/>
-          </a:stretch>
-        </p:blipFill>
-        <p:spPr>
-          <a:xfrm rot="10800000">
-            <a:off x="6424927" y="1945599"/>
-            <a:ext cx="2118181" cy="519709"/>
-          </a:xfrm>
-          <a:prstGeom prst="rect">
-            <a:avLst/>
-          </a:prstGeom>
-        </p:spPr>
-      </p:pic>
-      <p:pic>
-        <p:nvPicPr>
-          <p:cNvPr id="7" name="Picture 6"/>
-          <p:cNvPicPr>
-            <a:picLocks noChangeAspect="1"/>
-          </p:cNvPicPr>
-          <p:nvPr/>
-        </p:nvPicPr>
-        <p:blipFill>
-          <a:blip r:embed="rId4"/>
-          <a:stretch>
-            <a:fillRect/>
-          </a:stretch>
-        </p:blipFill>
-        <p:spPr>
-          <a:xfrm>
-            <a:off x="6529430" y="2268010"/>
-            <a:ext cx="2118182" cy="528509"/>
-          </a:xfrm>
-          <a:prstGeom prst="rect">
-            <a:avLst/>
-          </a:prstGeom>
-        </p:spPr>
-      </p:pic>
     </p:spTree>
     <p:extLst>
       <p:ext uri="{BB962C8B-B14F-4D97-AF65-F5344CB8AC3E}">
-        <p14:creationId xmlns:p14="http://schemas.microsoft.com/office/powerpoint/2010/main" val="460866745"/>
+        <p14:creationId xmlns:p14="http://schemas.microsoft.com/office/powerpoint/2010/main" val="3390044732"/>
       </p:ext>
     </p:extLst>
   </p:cSld>
   <p:clrMapOvr>
     <a:masterClrMapping/>
   </p:clrMapOvr>
+  <p:timing>
+    <p:tnLst>
+      <p:par>
+        <p:cTn id="1" dur="indefinite" restart="never" nodeType="tmRoot"/>
+      </p:par>
+    </p:tnLst>
+  </p:timing>
 </p:sld>
 </file>
 
 <file path=ppt/theme/theme1.xml><?xml version="1.0" encoding="utf-8"?>
-<a:theme xmlns:a="http://schemas.openxmlformats.org/drawingml/2006/main" name="Office Theme">
+<a:theme xmlns:a="http://schemas.openxmlformats.org/drawingml/2006/main" name="1_Office Theme">
   <a:themeElements>
     <a:clrScheme name="Office Theme">
       <a:dk1>

--- a/multibuild/v1.2/assets/ppt/touch_sync.pptx
+++ b/multibuild/v1.2/assets/ppt/touch_sync.pptx
@@ -248,7 +248,7 @@
           <a:p>
             <a:fld id="{4A05E241-9B1A-4ED9-8724-5E03C726729F}" type="datetimeFigureOut">
               <a:rPr lang="he-IL" smtClean="0"/>
-              <a:t>כ"ז/סיון/תשפ"ב</a:t>
+              <a:t>כ"ו/כסלו/תשפ"ג</a:t>
             </a:fld>
             <a:endParaRPr lang="he-IL"/>
           </a:p>
@@ -418,7 +418,7 @@
           <a:p>
             <a:fld id="{4A05E241-9B1A-4ED9-8724-5E03C726729F}" type="datetimeFigureOut">
               <a:rPr lang="he-IL" smtClean="0"/>
-              <a:t>כ"ז/סיון/תשפ"ב</a:t>
+              <a:t>כ"ו/כסלו/תשפ"ג</a:t>
             </a:fld>
             <a:endParaRPr lang="he-IL"/>
           </a:p>
@@ -598,7 +598,7 @@
           <a:p>
             <a:fld id="{4A05E241-9B1A-4ED9-8724-5E03C726729F}" type="datetimeFigureOut">
               <a:rPr lang="he-IL" smtClean="0"/>
-              <a:t>כ"ז/סיון/תשפ"ב</a:t>
+              <a:t>כ"ו/כסלו/תשפ"ג</a:t>
             </a:fld>
             <a:endParaRPr lang="he-IL"/>
           </a:p>
@@ -768,7 +768,7 @@
           <a:p>
             <a:fld id="{4A05E241-9B1A-4ED9-8724-5E03C726729F}" type="datetimeFigureOut">
               <a:rPr lang="he-IL" smtClean="0"/>
-              <a:t>כ"ז/סיון/תשפ"ב</a:t>
+              <a:t>כ"ו/כסלו/תשפ"ג</a:t>
             </a:fld>
             <a:endParaRPr lang="he-IL"/>
           </a:p>
@@ -1014,7 +1014,7 @@
           <a:p>
             <a:fld id="{4A05E241-9B1A-4ED9-8724-5E03C726729F}" type="datetimeFigureOut">
               <a:rPr lang="he-IL" smtClean="0"/>
-              <a:t>כ"ז/סיון/תשפ"ב</a:t>
+              <a:t>כ"ו/כסלו/תשפ"ג</a:t>
             </a:fld>
             <a:endParaRPr lang="he-IL"/>
           </a:p>
@@ -1246,7 +1246,7 @@
           <a:p>
             <a:fld id="{4A05E241-9B1A-4ED9-8724-5E03C726729F}" type="datetimeFigureOut">
               <a:rPr lang="he-IL" smtClean="0"/>
-              <a:t>כ"ז/סיון/תשפ"ב</a:t>
+              <a:t>כ"ו/כסלו/תשפ"ג</a:t>
             </a:fld>
             <a:endParaRPr lang="he-IL"/>
           </a:p>
@@ -1613,7 +1613,7 @@
           <a:p>
             <a:fld id="{4A05E241-9B1A-4ED9-8724-5E03C726729F}" type="datetimeFigureOut">
               <a:rPr lang="he-IL" smtClean="0"/>
-              <a:t>כ"ז/סיון/תשפ"ב</a:t>
+              <a:t>כ"ו/כסלו/תשפ"ג</a:t>
             </a:fld>
             <a:endParaRPr lang="he-IL"/>
           </a:p>
@@ -1731,7 +1731,7 @@
           <a:p>
             <a:fld id="{4A05E241-9B1A-4ED9-8724-5E03C726729F}" type="datetimeFigureOut">
               <a:rPr lang="he-IL" smtClean="0"/>
-              <a:t>כ"ז/סיון/תשפ"ב</a:t>
+              <a:t>כ"ו/כסלו/תשפ"ג</a:t>
             </a:fld>
             <a:endParaRPr lang="he-IL"/>
           </a:p>
@@ -1826,7 +1826,7 @@
           <a:p>
             <a:fld id="{4A05E241-9B1A-4ED9-8724-5E03C726729F}" type="datetimeFigureOut">
               <a:rPr lang="he-IL" smtClean="0"/>
-              <a:t>כ"ז/סיון/תשפ"ב</a:t>
+              <a:t>כ"ו/כסלו/תשפ"ג</a:t>
             </a:fld>
             <a:endParaRPr lang="he-IL"/>
           </a:p>
@@ -2103,7 +2103,7 @@
           <a:p>
             <a:fld id="{4A05E241-9B1A-4ED9-8724-5E03C726729F}" type="datetimeFigureOut">
               <a:rPr lang="he-IL" smtClean="0"/>
-              <a:t>כ"ז/סיון/תשפ"ב</a:t>
+              <a:t>כ"ו/כסלו/תשפ"ג</a:t>
             </a:fld>
             <a:endParaRPr lang="he-IL"/>
           </a:p>
@@ -2360,7 +2360,7 @@
           <a:p>
             <a:fld id="{4A05E241-9B1A-4ED9-8724-5E03C726729F}" type="datetimeFigureOut">
               <a:rPr lang="he-IL" smtClean="0"/>
-              <a:t>כ"ז/סיון/תשפ"ב</a:t>
+              <a:t>כ"ו/כסלו/תשפ"ג</a:t>
             </a:fld>
             <a:endParaRPr lang="he-IL"/>
           </a:p>
@@ -2573,7 +2573,7 @@
           <a:p>
             <a:fld id="{4A05E241-9B1A-4ED9-8724-5E03C726729F}" type="datetimeFigureOut">
               <a:rPr lang="he-IL" smtClean="0"/>
-              <a:t>כ"ז/סיון/תשפ"ב</a:t>
+              <a:t>כ"ו/כסלו/תשפ"ג</a:t>
             </a:fld>
             <a:endParaRPr lang="he-IL"/>
           </a:p>
@@ -2995,10 +2995,9 @@
           <a:p>
             <a:pPr algn="ctr"/>
             <a:r>
-              <a:rPr lang="he-IL" dirty="0" smtClean="0"/>
+              <a:rPr lang="he-IL" dirty="0"/>
               <a:t>סינכרון קירבה פיזית</a:t>
             </a:r>
-            <a:endParaRPr lang="he-IL" dirty="0"/>
           </a:p>
         </p:txBody>
       </p:sp>
@@ -3012,10 +3011,15 @@
             <p:ph idx="1"/>
           </p:nvPr>
         </p:nvSpPr>
-        <p:spPr/>
+        <p:spPr>
+          <a:xfrm>
+            <a:off x="838200" y="1480392"/>
+            <a:ext cx="10515600" cy="4808440"/>
+          </a:xfrm>
+        </p:spPr>
         <p:txBody>
           <a:bodyPr>
-            <a:normAutofit fontScale="92500" lnSpcReduction="20000"/>
+            <a:normAutofit lnSpcReduction="10000"/>
           </a:bodyPr>
           <a:lstStyle/>
           <a:p>
@@ -3026,7 +3030,6 @@
               <a:rPr lang="he-IL" dirty="0"/>
               <a:t>אתם עומדים לצפות בקטע וידאו קצר המתאר אינטראקציה חברתית. </a:t>
             </a:r>
-            <a:endParaRPr lang="he-IL" dirty="0" smtClean="0"/>
           </a:p>
           <a:p>
             <a:pPr marL="0" indent="0">
@@ -3039,55 +3042,8 @@
               <a:buNone/>
             </a:pPr>
             <a:r>
-              <a:rPr lang="he-IL" dirty="0" smtClean="0"/>
+              <a:rPr lang="he-IL" dirty="0"/>
               <a:t>קירבה פיזית מורכבת ממגע, מנח הגוף ומרחק פיזי, והם מרכיבים חשובים באינטראקציות חברתיות.</a:t>
-            </a:r>
-          </a:p>
-          <a:p>
-            <a:pPr marL="0" indent="0">
-              <a:buNone/>
-            </a:pPr>
-            <a:endParaRPr lang="he-IL" dirty="0" smtClean="0"/>
-          </a:p>
-          <a:p>
-            <a:pPr marL="0" indent="0">
-              <a:buNone/>
-            </a:pPr>
-            <a:r>
-              <a:rPr lang="he-IL" dirty="0" smtClean="0"/>
-              <a:t>אנא </a:t>
-            </a:r>
-            <a:r>
-              <a:rPr lang="he-IL" dirty="0"/>
-              <a:t>דרגו בעזרת הסליידר את רמת </a:t>
-            </a:r>
-            <a:r>
-              <a:rPr lang="he-IL" dirty="0" smtClean="0"/>
-              <a:t>סינכרון הקירבה הפיזית </a:t>
-            </a:r>
-            <a:r>
-              <a:rPr lang="he-IL" dirty="0"/>
-              <a:t>בין הדמויות על סקאלה מ"ללא </a:t>
-            </a:r>
-            <a:r>
-              <a:rPr lang="he-IL" dirty="0" smtClean="0"/>
-              <a:t>סינכרון קירבה פיזית </a:t>
-            </a:r>
-            <a:r>
-              <a:rPr lang="he-IL" dirty="0"/>
-              <a:t>כלל" ועד </a:t>
-            </a:r>
-            <a:r>
-              <a:rPr lang="he-IL" dirty="0" smtClean="0"/>
-              <a:t>ל"סינכרון קירבה פיזית </a:t>
-            </a:r>
-            <a:r>
-              <a:rPr lang="he-IL" dirty="0"/>
-              <a:t>מקסימלי</a:t>
-            </a:r>
-            <a:r>
-              <a:rPr lang="he-IL" dirty="0" smtClean="0"/>
-              <a:t>".</a:t>
             </a:r>
           </a:p>
           <a:p>
@@ -3097,27 +3053,104 @@
             <a:endParaRPr lang="he-IL" dirty="0"/>
           </a:p>
           <a:p>
+            <a:pPr marL="0" indent="0">
+              <a:buNone/>
+            </a:pPr>
+            <a:r>
+              <a:rPr lang="he-IL" dirty="0"/>
+              <a:t>אנא דרגו בעזרת הסליידר את רמת סינכרון הקירבה הפיזית בין הדמויות על סקאלה מ"ללא סינכרון קירבה פיזית כלל" ועד ל"סינכרון קירבה פיזית מקסימלי".</a:t>
+            </a:r>
+          </a:p>
+          <a:p>
+            <a:pPr marL="0" indent="0">
+              <a:buNone/>
+            </a:pPr>
+            <a:endParaRPr lang="he-IL" dirty="0"/>
+          </a:p>
+          <a:p>
             <a:pPr marL="0" indent="0" algn="ctr">
               <a:buNone/>
             </a:pPr>
             <a:r>
-              <a:rPr lang="he-IL" dirty="0" smtClean="0"/>
+              <a:rPr lang="he-IL" dirty="0"/>
               <a:t>מיד נציג לכם מספר דוגמאות:</a:t>
             </a:r>
+            <a:endParaRPr lang="en-US" dirty="0"/>
+          </a:p>
+          <a:p>
+            <a:pPr marL="0" indent="0" algn="ctr">
+              <a:buNone/>
+            </a:pPr>
+            <a:r>
+              <a:rPr lang="he-IL" dirty="0"/>
+              <a:t>(לחץ        במקלדת בשביל להתקדם)</a:t>
+            </a:r>
+          </a:p>
+          <a:p>
+            <a:pPr marL="0" indent="0" algn="ctr">
+              <a:buNone/>
+            </a:pPr>
             <a:endParaRPr lang="he-IL" dirty="0"/>
           </a:p>
           <a:p>
             <a:pPr marL="0" indent="0">
               <a:buNone/>
             </a:pPr>
-            <a:r>
-              <a:rPr lang="he-IL" dirty="0"/>
-              <a:t/>
-            </a:r>
-            <a:br>
-              <a:rPr lang="he-IL" dirty="0"/>
-            </a:br>
             <a:endParaRPr lang="he-IL" dirty="0"/>
+          </a:p>
+        </p:txBody>
+      </p:sp>
+      <p:sp>
+        <p:nvSpPr>
+          <p:cNvPr id="4" name="Arrow: Right 3">
+            <a:extLst>
+              <a:ext uri="{FF2B5EF4-FFF2-40B4-BE49-F238E27FC236}">
+                <a16:creationId xmlns:a16="http://schemas.microsoft.com/office/drawing/2014/main" id="{891E98A1-682C-19E3-7415-525F654C1780}"/>
+              </a:ext>
+            </a:extLst>
+          </p:cNvPr>
+          <p:cNvSpPr/>
+          <p:nvPr/>
+        </p:nvSpPr>
+        <p:spPr>
+          <a:xfrm>
+            <a:off x="7333863" y="5803641"/>
+            <a:ext cx="438539" cy="326572"/>
+          </a:xfrm>
+          <a:prstGeom prst="rightArrow">
+            <a:avLst/>
+          </a:prstGeom>
+          <a:solidFill>
+            <a:schemeClr val="tx1"/>
+          </a:solidFill>
+          <a:ln>
+            <a:solidFill>
+              <a:schemeClr val="tx1"/>
+            </a:solidFill>
+          </a:ln>
+        </p:spPr>
+        <p:style>
+          <a:lnRef idx="2">
+            <a:schemeClr val="accent1">
+              <a:shade val="50000"/>
+            </a:schemeClr>
+          </a:lnRef>
+          <a:fillRef idx="1">
+            <a:schemeClr val="accent1"/>
+          </a:fillRef>
+          <a:effectRef idx="0">
+            <a:schemeClr val="accent1"/>
+          </a:effectRef>
+          <a:fontRef idx="minor">
+            <a:schemeClr val="lt1"/>
+          </a:fontRef>
+        </p:style>
+        <p:txBody>
+          <a:bodyPr rtlCol="0" anchor="ctr"/>
+          <a:lstStyle/>
+          <a:p>
+            <a:pPr algn="ctr"/>
+            <a:endParaRPr lang="en-IL"/>
           </a:p>
         </p:txBody>
       </p:sp>
@@ -3131,13 +3164,6 @@
   <p:clrMapOvr>
     <a:masterClrMapping/>
   </p:clrMapOvr>
-  <p:timing>
-    <p:tnLst>
-      <p:par>
-        <p:cTn id="1" dur="indefinite" restart="never" nodeType="tmRoot"/>
-      </p:par>
-    </p:tnLst>
-  </p:timing>
 </p:sld>
 </file>
 
@@ -3206,52 +3232,8 @@
               <a:buNone/>
             </a:pPr>
             <a:r>
-              <a:rPr lang="he-IL" dirty="0" smtClean="0"/>
-              <a:t>סינכרון קירבה פיזית גבוה יכול להיות כאשר </a:t>
-            </a:r>
-            <a:r>
               <a:rPr lang="he-IL" dirty="0"/>
-              <a:t>דמות א' ודמות ב' </a:t>
-            </a:r>
-            <a:r>
-              <a:rPr lang="he-IL" dirty="0" smtClean="0"/>
-              <a:t>מבצעות פעולה אקטיבית של התקרבות ומגע, נוגעות </a:t>
-            </a:r>
-            <a:r>
-              <a:rPr lang="he-IL" dirty="0"/>
-              <a:t>זו בזו </a:t>
-            </a:r>
-            <a:r>
-              <a:rPr lang="he-IL" dirty="0" smtClean="0"/>
-              <a:t>בו-זמנית באופן אקטיבי. </a:t>
-            </a:r>
-            <a:r>
-              <a:rPr lang="he-IL" dirty="0"/>
-              <a:t>המגע הפיזי יכול להיות בקונטקסט חיובי </a:t>
-            </a:r>
-            <a:r>
-              <a:rPr lang="he-IL" dirty="0" smtClean="0"/>
-              <a:t>(למשל, חיבוק</a:t>
-            </a:r>
-            <a:r>
-              <a:rPr lang="he-IL" dirty="0"/>
-              <a:t>) או </a:t>
-            </a:r>
-            <a:r>
-              <a:rPr lang="he-IL" dirty="0" smtClean="0"/>
-              <a:t>בקונטקסט </a:t>
-            </a:r>
-            <a:r>
-              <a:rPr lang="he-IL" dirty="0"/>
-              <a:t>שלילי </a:t>
-            </a:r>
-            <a:r>
-              <a:rPr lang="he-IL" dirty="0" smtClean="0"/>
-              <a:t>(למשל, האבקות</a:t>
-            </a:r>
-            <a:r>
-              <a:rPr lang="he-IL" dirty="0"/>
-              <a:t>).</a:t>
+              <a:t>סינכרון קירבה פיזית גבוה יכול להיות כאשר דמות א' ודמות ב' מבצעות פעולה אקטיבית של התקרבות ומגע, נוגעות זו בזו בו-זמנית באופן אקטיבי. המגע הפיזי יכול להיות בקונטקסט חיובי (למשל, חיבוק) או בקונטקסט שלילי (למשל, האבקות).</a:t>
             </a:r>
           </a:p>
         </p:txBody>
@@ -3471,13 +3453,6 @@
   <p:clrMapOvr>
     <a:masterClrMapping/>
   </p:clrMapOvr>
-  <p:timing>
-    <p:tnLst>
-      <p:par>
-        <p:cTn id="1" dur="indefinite" restart="never" nodeType="tmRoot"/>
-      </p:par>
-    </p:tnLst>
-  </p:timing>
 </p:sld>
 </file>
 
@@ -3546,19 +3521,11 @@
               <a:buNone/>
             </a:pPr>
             <a:r>
-              <a:rPr lang="he-IL" dirty="0" smtClean="0"/>
-              <a:t>לעומת זאת, כאשר </a:t>
-            </a:r>
-            <a:r>
               <a:rPr lang="he-IL" dirty="0"/>
-              <a:t>על המסך כאשר על המסך מופיעה דמות אחת בלבד או כאשר הדמויות אינן נוגעות זו בזו, ורחוקות זו </a:t>
-            </a:r>
-            <a:r>
-              <a:rPr lang="he-IL" dirty="0" smtClean="0"/>
-              <a:t>מזו – </a:t>
-            </a:r>
-            <a:r>
-              <a:rPr lang="he-IL" b="1" dirty="0" smtClean="0"/>
+              <a:t>לעומת זאת, כאשר על המסך כאשר על המסך מופיעה דמות אחת בלבד או כאשר הדמויות אינן נוגעות זו בזו, ורחוקות זו מזו – </a:t>
+            </a:r>
+            <a:r>
+              <a:rPr lang="he-IL" b="1" dirty="0"/>
               <a:t>אין כלל סנכרון מגע.</a:t>
             </a:r>
           </a:p>
@@ -3566,12 +3533,8 @@
             <a:pPr marL="0" indent="0">
               <a:buNone/>
             </a:pPr>
-            <a:r>
-              <a:rPr lang="he-IL" dirty="0" smtClean="0"/>
-              <a:t/>
-            </a:r>
             <a:br>
-              <a:rPr lang="he-IL" dirty="0" smtClean="0"/>
+              <a:rPr lang="he-IL" dirty="0"/>
             </a:br>
             <a:endParaRPr lang="he-IL" dirty="0"/>
           </a:p>
@@ -3652,13 +3615,6 @@
   <p:clrMapOvr>
     <a:masterClrMapping/>
   </p:clrMapOvr>
-  <p:timing>
-    <p:tnLst>
-      <p:par>
-        <p:cTn id="1" dur="indefinite" restart="never" nodeType="tmRoot"/>
-      </p:par>
-    </p:tnLst>
-  </p:timing>
 </p:sld>
 </file>
 
@@ -3703,22 +3659,14 @@
               <a:buNone/>
             </a:pPr>
             <a:r>
-              <a:rPr lang="he-IL" dirty="0" smtClean="0"/>
-              <a:t>ישנם מצבי ביניים, בהם דמות אחת יוזמת קירבה ומגע באופן אקטיבי והדמות השניה אינה אקטיבית, אלא פאסיבית. לדוגמא, דמות </a:t>
-            </a:r>
-            <a:r>
               <a:rPr lang="he-IL" dirty="0"/>
-              <a:t>א' נוגעת בדמות ב', אך דמות ב' אינה מנסה לגעת בדמות א'.</a:t>
+              <a:t>ישנם מצבי ביניים, בהם דמות אחת יוזמת קירבה ומגע באופן אקטיבי והדמות השניה אינה אקטיבית, אלא פאסיבית. לדוגמא, דמות א' נוגעת בדמות ב', אך דמות ב' אינה מנסה לגעת בדמות א'.</a:t>
             </a:r>
           </a:p>
           <a:p>
             <a:pPr marL="0" indent="0">
               <a:buNone/>
             </a:pPr>
-            <a:r>
-              <a:rPr lang="he-IL" dirty="0"/>
-              <a:t/>
-            </a:r>
             <a:br>
               <a:rPr lang="he-IL" dirty="0"/>
             </a:br>
@@ -3859,13 +3807,6 @@
   <p:clrMapOvr>
     <a:masterClrMapping/>
   </p:clrMapOvr>
-  <p:timing>
-    <p:tnLst>
-      <p:par>
-        <p:cTn id="1" dur="indefinite" restart="never" nodeType="tmRoot"/>
-      </p:par>
-    </p:tnLst>
-  </p:timing>
 </p:sld>
 </file>
 
@@ -3910,20 +3851,8 @@
               <a:buNone/>
             </a:pPr>
             <a:r>
-              <a:rPr lang="he-IL" dirty="0" smtClean="0"/>
-              <a:t>לא תמיד יהיה מגע ישיר בין הדמויות, לעיתים הן רוכנות </a:t>
-            </a:r>
-            <a:r>
               <a:rPr lang="he-IL" dirty="0"/>
-              <a:t>זו אל </a:t>
-            </a:r>
-            <a:r>
-              <a:rPr lang="he-IL" dirty="0" smtClean="0"/>
-              <a:t>זו או משנות את המרחק הפיזי בינהן</a:t>
-            </a:r>
-            <a:r>
-              <a:rPr lang="he-IL" dirty="0"/>
-              <a:t/>
+              <a:t>לא תמיד יהיה מגע ישיר בין הדמויות, לעיתים הן רוכנות זו אל זו או משנות את המרחק הפיזי בינהן</a:t>
             </a:r>
             <a:br>
               <a:rPr lang="he-IL" dirty="0"/>
@@ -4024,13 +3953,6 @@
   <p:clrMapOvr>
     <a:masterClrMapping/>
   </p:clrMapOvr>
-  <p:timing>
-    <p:tnLst>
-      <p:par>
-        <p:cTn id="1" dur="indefinite" restart="never" nodeType="tmRoot"/>
-      </p:par>
-    </p:tnLst>
-  </p:timing>
 </p:sld>
 </file>
 
@@ -4076,14 +3998,14 @@
             <a:pPr marL="0" indent="0">
               <a:buNone/>
             </a:pPr>
-            <a:endParaRPr lang="he-IL" dirty="0" smtClean="0"/>
+            <a:endParaRPr lang="he-IL" dirty="0"/>
           </a:p>
           <a:p>
             <a:pPr marL="0" indent="0">
               <a:buNone/>
             </a:pPr>
             <a:r>
-              <a:rPr lang="he-IL" dirty="0" smtClean="0"/>
+              <a:rPr lang="he-IL" dirty="0"/>
               <a:t>נבקש מכם לדרג עם הסליידר באופן חופשי את הרמה של סינכרון הקירבה הפיזית בין הדמויות בסרט כפי שאתם מבינים וחווים בכל רגע נתון.</a:t>
             </a:r>
           </a:p>
@@ -4091,37 +4013,16 @@
             <a:pPr marL="0" indent="0">
               <a:buNone/>
             </a:pPr>
-            <a:endParaRPr lang="he-IL" dirty="0" smtClean="0"/>
+            <a:endParaRPr lang="he-IL" dirty="0"/>
           </a:p>
           <a:p>
             <a:pPr marL="0" indent="0">
               <a:buNone/>
             </a:pPr>
             <a:r>
-              <a:rPr lang="he-IL" dirty="0" smtClean="0"/>
-              <a:t>במקרים בהם על </a:t>
-            </a:r>
-            <a:r>
-              <a:rPr lang="he-IL" dirty="0" smtClean="0"/>
-              <a:t>המסך יש יותר משתי </a:t>
-            </a:r>
-            <a:r>
-              <a:rPr lang="he-IL" dirty="0" smtClean="0"/>
-              <a:t>דמויות או דמות אחת בלבד, </a:t>
-            </a:r>
-            <a:r>
-              <a:rPr lang="he-IL" dirty="0" smtClean="0"/>
-              <a:t>דרגו </a:t>
-            </a:r>
-            <a:r>
               <a:rPr lang="he-IL" dirty="0"/>
-              <a:t>לפי מיטב </a:t>
-            </a:r>
-            <a:r>
-              <a:rPr lang="he-IL" dirty="0" smtClean="0"/>
-              <a:t>הבנתכם.</a:t>
-            </a:r>
-            <a:endParaRPr lang="he-IL" dirty="0"/>
+              <a:t>במקרים בהם על המסך יש יותר משתי דמויות או דמות אחת בלבד, דרגו לפי מיטב הבנתכם.</a:t>
+            </a:r>
           </a:p>
         </p:txBody>
       </p:sp>
@@ -4135,13 +4036,6 @@
   <p:clrMapOvr>
     <a:masterClrMapping/>
   </p:clrMapOvr>
-  <p:timing>
-    <p:tnLst>
-      <p:par>
-        <p:cTn id="1" dur="indefinite" restart="never" nodeType="tmRoot"/>
-      </p:par>
-    </p:tnLst>
-  </p:timing>
 </p:sld>
 </file>
 
